--- a/02_paper/02_study/02_fitbit paper/Ablauf_Datenerhebung.pptx
+++ b/02_paper/02_study/02_fitbit paper/Ablauf_Datenerhebung.pptx
@@ -243,7 +243,7 @@
           <a:p>
             <a:fld id="{C5164158-0CE9-4349-B3F5-2F2E57F0D0CB}" type="datetimeFigureOut">
               <a:rPr lang="en-US" smtClean="0"/>
-              <a:t>2/17/2023</a:t>
+              <a:t>2/21/2023</a:t>
             </a:fld>
             <a:endParaRPr lang="en-US"/>
           </a:p>
@@ -413,7 +413,7 @@
           <a:p>
             <a:fld id="{C5164158-0CE9-4349-B3F5-2F2E57F0D0CB}" type="datetimeFigureOut">
               <a:rPr lang="en-US" smtClean="0"/>
-              <a:t>2/17/2023</a:t>
+              <a:t>2/21/2023</a:t>
             </a:fld>
             <a:endParaRPr lang="en-US"/>
           </a:p>
@@ -593,7 +593,7 @@
           <a:p>
             <a:fld id="{C5164158-0CE9-4349-B3F5-2F2E57F0D0CB}" type="datetimeFigureOut">
               <a:rPr lang="en-US" smtClean="0"/>
-              <a:t>2/17/2023</a:t>
+              <a:t>2/21/2023</a:t>
             </a:fld>
             <a:endParaRPr lang="en-US"/>
           </a:p>
@@ -763,7 +763,7 @@
           <a:p>
             <a:fld id="{C5164158-0CE9-4349-B3F5-2F2E57F0D0CB}" type="datetimeFigureOut">
               <a:rPr lang="en-US" smtClean="0"/>
-              <a:t>2/17/2023</a:t>
+              <a:t>2/21/2023</a:t>
             </a:fld>
             <a:endParaRPr lang="en-US"/>
           </a:p>
@@ -1009,7 +1009,7 @@
           <a:p>
             <a:fld id="{C5164158-0CE9-4349-B3F5-2F2E57F0D0CB}" type="datetimeFigureOut">
               <a:rPr lang="en-US" smtClean="0"/>
-              <a:t>2/17/2023</a:t>
+              <a:t>2/21/2023</a:t>
             </a:fld>
             <a:endParaRPr lang="en-US"/>
           </a:p>
@@ -1241,7 +1241,7 @@
           <a:p>
             <a:fld id="{C5164158-0CE9-4349-B3F5-2F2E57F0D0CB}" type="datetimeFigureOut">
               <a:rPr lang="en-US" smtClean="0"/>
-              <a:t>2/17/2023</a:t>
+              <a:t>2/21/2023</a:t>
             </a:fld>
             <a:endParaRPr lang="en-US"/>
           </a:p>
@@ -1608,7 +1608,7 @@
           <a:p>
             <a:fld id="{C5164158-0CE9-4349-B3F5-2F2E57F0D0CB}" type="datetimeFigureOut">
               <a:rPr lang="en-US" smtClean="0"/>
-              <a:t>2/17/2023</a:t>
+              <a:t>2/21/2023</a:t>
             </a:fld>
             <a:endParaRPr lang="en-US"/>
           </a:p>
@@ -1726,7 +1726,7 @@
           <a:p>
             <a:fld id="{C5164158-0CE9-4349-B3F5-2F2E57F0D0CB}" type="datetimeFigureOut">
               <a:rPr lang="en-US" smtClean="0"/>
-              <a:t>2/17/2023</a:t>
+              <a:t>2/21/2023</a:t>
             </a:fld>
             <a:endParaRPr lang="en-US"/>
           </a:p>
@@ -1821,7 +1821,7 @@
           <a:p>
             <a:fld id="{C5164158-0CE9-4349-B3F5-2F2E57F0D0CB}" type="datetimeFigureOut">
               <a:rPr lang="en-US" smtClean="0"/>
-              <a:t>2/17/2023</a:t>
+              <a:t>2/21/2023</a:t>
             </a:fld>
             <a:endParaRPr lang="en-US"/>
           </a:p>
@@ -2098,7 +2098,7 @@
           <a:p>
             <a:fld id="{C5164158-0CE9-4349-B3F5-2F2E57F0D0CB}" type="datetimeFigureOut">
               <a:rPr lang="en-US" smtClean="0"/>
-              <a:t>2/17/2023</a:t>
+              <a:t>2/21/2023</a:t>
             </a:fld>
             <a:endParaRPr lang="en-US"/>
           </a:p>
@@ -2355,7 +2355,7 @@
           <a:p>
             <a:fld id="{C5164158-0CE9-4349-B3F5-2F2E57F0D0CB}" type="datetimeFigureOut">
               <a:rPr lang="en-US" smtClean="0"/>
-              <a:t>2/17/2023</a:t>
+              <a:t>2/21/2023</a:t>
             </a:fld>
             <a:endParaRPr lang="en-US"/>
           </a:p>
@@ -2568,7 +2568,7 @@
           <a:p>
             <a:fld id="{C5164158-0CE9-4349-B3F5-2F2E57F0D0CB}" type="datetimeFigureOut">
               <a:rPr lang="en-US" smtClean="0"/>
-              <a:t>2/17/2023</a:t>
+              <a:t>2/21/2023</a:t>
             </a:fld>
             <a:endParaRPr lang="en-US"/>
           </a:p>
@@ -3172,8 +3172,8 @@
         </p:nvCxnSpPr>
         <p:spPr>
           <a:xfrm flipH="1">
-            <a:off x="943885" y="1628234"/>
-            <a:ext cx="7645" cy="1159790"/>
+            <a:off x="937260" y="1628234"/>
+            <a:ext cx="14271" cy="1130206"/>
           </a:xfrm>
           <a:prstGeom prst="line">
             <a:avLst/>
@@ -3203,57 +3203,6 @@
           </a:fontRef>
         </p:style>
       </p:cxnSp>
-      <p:cxnSp>
-        <p:nvCxnSpPr>
-          <p:cNvPr id="27" name="OTLSHAPE_T_2d967ba645a54295a3086a8e2442b8bd_LeftVerticalConnector1">
-            <a:extLst>
-              <a:ext uri="{FF2B5EF4-FFF2-40B4-BE49-F238E27FC236}">
-                <a16:creationId xmlns:a16="http://schemas.microsoft.com/office/drawing/2014/main" id="{7F56804E-1AAE-41F3-B0FF-285F8E136943}"/>
-              </a:ext>
-            </a:extLst>
-          </p:cNvPr>
-          <p:cNvCxnSpPr>
-            <a:cxnSpLocks/>
-          </p:cNvCxnSpPr>
-          <p:nvPr>
-            <p:custDataLst>
-              <p:tags r:id="rId7"/>
-            </p:custDataLst>
-          </p:nvPr>
-        </p:nvCxnSpPr>
-        <p:spPr>
-          <a:xfrm flipV="1">
-            <a:off x="946927" y="3110250"/>
-            <a:ext cx="9285" cy="602492"/>
-          </a:xfrm>
-          <a:prstGeom prst="line">
-            <a:avLst/>
-          </a:prstGeom>
-          <a:ln w="6350" cap="flat" cmpd="sng" algn="ctr">
-            <a:solidFill>
-              <a:srgbClr val="CCCCCC"/>
-            </a:solidFill>
-            <a:prstDash val="solid"/>
-            <a:miter lim="800000"/>
-            <a:headEnd type="none" w="med" len="med"/>
-            <a:tailEnd type="none" w="med" len="med"/>
-          </a:ln>
-        </p:spPr>
-        <p:style>
-          <a:lnRef idx="1">
-            <a:schemeClr val="accent1"/>
-          </a:lnRef>
-          <a:fillRef idx="0">
-            <a:schemeClr val="accent1"/>
-          </a:fillRef>
-          <a:effectRef idx="0">
-            <a:schemeClr val="accent1"/>
-          </a:effectRef>
-          <a:fontRef idx="minor">
-            <a:schemeClr val="tx1"/>
-          </a:fontRef>
-        </p:style>
-      </p:cxnSp>
       <p:sp>
         <p:nvSpPr>
           <p:cNvPr id="2" name="OTLSHAPE_TB_00000000000000000000000000000000_ScaleContainer">
@@ -3266,7 +3215,7 @@
           <p:cNvSpPr/>
           <p:nvPr>
             <p:custDataLst>
-              <p:tags r:id="rId8"/>
+              <p:tags r:id="rId7"/>
             </p:custDataLst>
           </p:nvPr>
         </p:nvSpPr>
@@ -3333,7 +3282,7 @@
           <p:cNvSpPr/>
           <p:nvPr>
             <p:custDataLst>
-              <p:tags r:id="rId9"/>
+              <p:tags r:id="rId8"/>
             </p:custDataLst>
           </p:nvPr>
         </p:nvSpPr>
@@ -3399,7 +3348,7 @@
           <p:cNvSpPr txBox="1"/>
           <p:nvPr>
             <p:custDataLst>
-              <p:tags r:id="rId10"/>
+              <p:tags r:id="rId9"/>
             </p:custDataLst>
           </p:nvPr>
         </p:nvSpPr>
@@ -3438,7 +3387,7 @@
           <p:cNvSpPr txBox="1"/>
           <p:nvPr>
             <p:custDataLst>
-              <p:tags r:id="rId11"/>
+              <p:tags r:id="rId10"/>
             </p:custDataLst>
           </p:nvPr>
         </p:nvSpPr>
@@ -3473,13 +3422,13 @@
           <p:cNvSpPr txBox="1"/>
           <p:nvPr>
             <p:custDataLst>
-              <p:tags r:id="rId12"/>
+              <p:tags r:id="rId11"/>
             </p:custDataLst>
           </p:nvPr>
         </p:nvSpPr>
         <p:spPr>
           <a:xfrm>
-            <a:off x="2808395" y="2674053"/>
+            <a:off x="2899229" y="2706486"/>
             <a:ext cx="1246415" cy="372110"/>
           </a:xfrm>
           <a:prstGeom prst="rect">
@@ -3526,7 +3475,7 @@
           <p:cNvSpPr txBox="1"/>
           <p:nvPr>
             <p:custDataLst>
-              <p:tags r:id="rId13"/>
+              <p:tags r:id="rId12"/>
             </p:custDataLst>
           </p:nvPr>
         </p:nvSpPr>
@@ -3561,13 +3510,13 @@
           <p:cNvSpPr txBox="1"/>
           <p:nvPr>
             <p:custDataLst>
-              <p:tags r:id="rId14"/>
+              <p:tags r:id="rId13"/>
             </p:custDataLst>
           </p:nvPr>
         </p:nvSpPr>
         <p:spPr>
           <a:xfrm>
-            <a:off x="5041114" y="2662129"/>
+            <a:off x="4908941" y="2691904"/>
             <a:ext cx="2134057" cy="462711"/>
           </a:xfrm>
           <a:prstGeom prst="rect">
@@ -3615,7 +3564,7 @@
           <p:cNvSpPr txBox="1"/>
           <p:nvPr>
             <p:custDataLst>
-              <p:tags r:id="rId15"/>
+              <p:tags r:id="rId14"/>
             </p:custDataLst>
           </p:nvPr>
         </p:nvSpPr>
@@ -3668,7 +3617,7 @@
           <p:cNvSpPr txBox="1"/>
           <p:nvPr>
             <p:custDataLst>
-              <p:tags r:id="rId16"/>
+              <p:tags r:id="rId15"/>
             </p:custDataLst>
           </p:nvPr>
         </p:nvSpPr>
@@ -3727,13 +3676,13 @@
           <p:cNvSpPr/>
           <p:nvPr>
             <p:custDataLst>
-              <p:tags r:id="rId17"/>
+              <p:tags r:id="rId16"/>
             </p:custDataLst>
           </p:nvPr>
         </p:nvSpPr>
         <p:spPr>
           <a:xfrm>
-            <a:off x="982659" y="3593693"/>
+            <a:off x="1020759" y="3593693"/>
             <a:ext cx="1555020" cy="327166"/>
           </a:xfrm>
           <a:prstGeom prst="leftRightArrow">
@@ -3743,9 +3692,9 @@
             </a:avLst>
           </a:prstGeom>
           <a:solidFill>
-            <a:schemeClr val="accent6">
-              <a:lumMod val="60000"/>
-              <a:lumOff val="40000"/>
+            <a:schemeClr val="accent4">
+              <a:lumMod val="40000"/>
+              <a:lumOff val="60000"/>
             </a:schemeClr>
           </a:solidFill>
           <a:ln w="12700" cap="flat" cmpd="sng" algn="ctr">
@@ -3809,7 +3758,7 @@
           <p:cNvSpPr/>
           <p:nvPr>
             <p:custDataLst>
-              <p:tags r:id="rId18"/>
+              <p:tags r:id="rId17"/>
             </p:custDataLst>
           </p:nvPr>
         </p:nvSpPr>
@@ -3886,7 +3835,7 @@
           <p:cNvSpPr/>
           <p:nvPr>
             <p:custDataLst>
-              <p:tags r:id="rId19"/>
+              <p:tags r:id="rId18"/>
             </p:custDataLst>
           </p:nvPr>
         </p:nvSpPr>
@@ -3963,7 +3912,7 @@
           <p:cNvSpPr/>
           <p:nvPr>
             <p:custDataLst>
-              <p:tags r:id="rId20"/>
+              <p:tags r:id="rId19"/>
             </p:custDataLst>
           </p:nvPr>
         </p:nvSpPr>
@@ -4034,7 +3983,7 @@
           <p:cNvSpPr txBox="1"/>
           <p:nvPr>
             <p:custDataLst>
-              <p:tags r:id="rId21"/>
+              <p:tags r:id="rId20"/>
             </p:custDataLst>
           </p:nvPr>
         </p:nvSpPr>
@@ -4069,7 +4018,7 @@
           <p:cNvSpPr txBox="1"/>
           <p:nvPr>
             <p:custDataLst>
-              <p:tags r:id="rId22"/>
+              <p:tags r:id="rId21"/>
             </p:custDataLst>
           </p:nvPr>
         </p:nvSpPr>
@@ -4107,7 +4056,7 @@
           <p:cNvSpPr txBox="1"/>
           <p:nvPr>
             <p:custDataLst>
-              <p:tags r:id="rId23"/>
+              <p:tags r:id="rId22"/>
             </p:custDataLst>
           </p:nvPr>
         </p:nvSpPr>
@@ -4142,7 +4091,7 @@
           <p:cNvSpPr txBox="1"/>
           <p:nvPr>
             <p:custDataLst>
-              <p:tags r:id="rId24"/>
+              <p:tags r:id="rId23"/>
             </p:custDataLst>
           </p:nvPr>
         </p:nvSpPr>
@@ -4180,7 +4129,7 @@
           <p:cNvSpPr txBox="1"/>
           <p:nvPr>
             <p:custDataLst>
-              <p:tags r:id="rId25"/>
+              <p:tags r:id="rId24"/>
             </p:custDataLst>
           </p:nvPr>
         </p:nvSpPr>
@@ -4215,7 +4164,7 @@
           <p:cNvSpPr txBox="1"/>
           <p:nvPr>
             <p:custDataLst>
-              <p:tags r:id="rId26"/>
+              <p:tags r:id="rId25"/>
             </p:custDataLst>
           </p:nvPr>
         </p:nvSpPr>
@@ -4250,7 +4199,7 @@
           <p:cNvSpPr txBox="1"/>
           <p:nvPr>
             <p:custDataLst>
-              <p:tags r:id="rId27"/>
+              <p:tags r:id="rId26"/>
             </p:custDataLst>
           </p:nvPr>
         </p:nvSpPr>
@@ -4288,7 +4237,7 @@
           <p:cNvSpPr txBox="1"/>
           <p:nvPr>
             <p:custDataLst>
-              <p:tags r:id="rId28"/>
+              <p:tags r:id="rId27"/>
             </p:custDataLst>
           </p:nvPr>
         </p:nvSpPr>
@@ -4323,7 +4272,7 @@
           <p:cNvSpPr txBox="1"/>
           <p:nvPr>
             <p:custDataLst>
-              <p:tags r:id="rId29"/>
+              <p:tags r:id="rId28"/>
             </p:custDataLst>
           </p:nvPr>
         </p:nvSpPr>
@@ -4361,7 +4310,7 @@
           <p:cNvSpPr txBox="1"/>
           <p:nvPr>
             <p:custDataLst>
-              <p:tags r:id="rId30"/>
+              <p:tags r:id="rId29"/>
             </p:custDataLst>
           </p:nvPr>
         </p:nvSpPr>
@@ -4396,7 +4345,7 @@
           <p:cNvSpPr txBox="1"/>
           <p:nvPr>
             <p:custDataLst>
-              <p:tags r:id="rId31"/>
+              <p:tags r:id="rId30"/>
             </p:custDataLst>
           </p:nvPr>
         </p:nvSpPr>
@@ -4431,7 +4380,7 @@
           <p:cNvSpPr txBox="1"/>
           <p:nvPr>
             <p:custDataLst>
-              <p:tags r:id="rId32"/>
+              <p:tags r:id="rId31"/>
             </p:custDataLst>
           </p:nvPr>
         </p:nvSpPr>
@@ -4469,7 +4418,7 @@
           <p:cNvSpPr txBox="1"/>
           <p:nvPr>
             <p:custDataLst>
-              <p:tags r:id="rId33"/>
+              <p:tags r:id="rId32"/>
             </p:custDataLst>
           </p:nvPr>
         </p:nvSpPr>
@@ -4504,7 +4453,7 @@
           <p:cNvSpPr txBox="1"/>
           <p:nvPr>
             <p:custDataLst>
-              <p:tags r:id="rId34"/>
+              <p:tags r:id="rId33"/>
             </p:custDataLst>
           </p:nvPr>
         </p:nvSpPr>
@@ -4542,7 +4491,7 @@
           <p:cNvSpPr txBox="1"/>
           <p:nvPr>
             <p:custDataLst>
-              <p:tags r:id="rId35"/>
+              <p:tags r:id="rId34"/>
             </p:custDataLst>
           </p:nvPr>
         </p:nvSpPr>
@@ -4583,7 +4532,7 @@
           <p:cNvSpPr/>
           <p:nvPr>
             <p:custDataLst>
-              <p:tags r:id="rId36"/>
+              <p:tags r:id="rId35"/>
             </p:custDataLst>
           </p:nvPr>
         </p:nvSpPr>
@@ -4639,75 +4588,6 @@
       </p:sp>
       <p:sp>
         <p:nvSpPr>
-          <p:cNvPr id="13" name="OTLSHAPE_M_7054b8f8cd834d3194a9548bd5e56275_Shape">
-            <a:extLst>
-              <a:ext uri="{FF2B5EF4-FFF2-40B4-BE49-F238E27FC236}">
-                <a16:creationId xmlns:a16="http://schemas.microsoft.com/office/drawing/2014/main" id="{0189A109-F6A3-4928-95AC-3F12656FA87D}"/>
-              </a:ext>
-            </a:extLst>
-          </p:cNvPr>
-          <p:cNvSpPr/>
-          <p:nvPr>
-            <p:custDataLst>
-              <p:tags r:id="rId37"/>
-            </p:custDataLst>
-          </p:nvPr>
-        </p:nvSpPr>
-        <p:spPr>
-          <a:xfrm rot="16200000">
-            <a:off x="6780691" y="1375264"/>
-            <a:ext cx="165100" cy="165100"/>
-          </a:xfrm>
-          <a:prstGeom prst="flowChartMerge">
-            <a:avLst/>
-          </a:prstGeom>
-          <a:solidFill>
-            <a:schemeClr val="accent2">
-              <a:lumMod val="60000"/>
-              <a:lumOff val="40000"/>
-            </a:schemeClr>
-          </a:solidFill>
-          <a:ln w="12700" cap="flat" cmpd="sng" algn="ctr">
-            <a:noFill/>
-            <a:prstDash val="solid"/>
-            <a:miter lim="800000"/>
-          </a:ln>
-          <a:effectLst/>
-          <a:scene3d>
-            <a:camera prst="orthographicFront"/>
-            <a:lightRig rig="threePt" dir="t"/>
-          </a:scene3d>
-          <a:sp3d>
-            <a:bevelT h="12700"/>
-          </a:sp3d>
-        </p:spPr>
-        <p:style>
-          <a:lnRef idx="2">
-            <a:schemeClr val="accent1">
-              <a:shade val="50000"/>
-            </a:schemeClr>
-          </a:lnRef>
-          <a:fillRef idx="1">
-            <a:schemeClr val="accent1"/>
-          </a:fillRef>
-          <a:effectRef idx="0">
-            <a:schemeClr val="accent1"/>
-          </a:effectRef>
-          <a:fontRef idx="minor">
-            <a:schemeClr val="lt1"/>
-          </a:fontRef>
-        </p:style>
-        <p:txBody>
-          <a:bodyPr rtlCol="0" anchor="ctr"/>
-          <a:lstStyle/>
-          <a:p>
-            <a:pPr algn="ctr"/>
-            <a:endParaRPr lang="en-GB" dirty="0"/>
-          </a:p>
-        </p:txBody>
-      </p:sp>
-      <p:sp>
-        <p:nvSpPr>
           <p:cNvPr id="19" name="OTLSHAPE_M_0790f2e50460459b849e6c1e97b984db_Shape">
             <a:extLst>
               <a:ext uri="{FF2B5EF4-FFF2-40B4-BE49-F238E27FC236}">
@@ -4718,7 +4598,7 @@
           <p:cNvSpPr/>
           <p:nvPr>
             <p:custDataLst>
-              <p:tags r:id="rId38"/>
+              <p:tags r:id="rId36"/>
             </p:custDataLst>
           </p:nvPr>
         </p:nvSpPr>
@@ -4781,13 +4661,13 @@
           <p:cNvSpPr txBox="1"/>
           <p:nvPr>
             <p:custDataLst>
-              <p:tags r:id="rId39"/>
+              <p:tags r:id="rId37"/>
             </p:custDataLst>
           </p:nvPr>
         </p:nvSpPr>
         <p:spPr>
           <a:xfrm>
-            <a:off x="2812486" y="2200465"/>
+            <a:off x="2921187" y="2184023"/>
             <a:ext cx="895332" cy="169277"/>
           </a:xfrm>
           <a:prstGeom prst="rect">
@@ -4805,19 +4685,7 @@
               <a:rPr lang="en-US" sz="1100" spc="-4" dirty="0" err="1">
                 <a:latin typeface="Calibri" panose="020F0502020204030204" pitchFamily="34" charset="0"/>
               </a:rPr>
-              <a:t>Beginn</a:t>
-            </a:r>
-            <a:r>
-              <a:rPr lang="en-US" sz="1100" spc="-4" dirty="0">
-                <a:latin typeface="Calibri" panose="020F0502020204030204" pitchFamily="34" charset="0"/>
-              </a:rPr>
-              <a:t> </a:t>
-            </a:r>
-            <a:r>
-              <a:rPr lang="en-US" sz="1100" spc="-4" dirty="0" err="1">
-                <a:latin typeface="Calibri" panose="020F0502020204030204" pitchFamily="34" charset="0"/>
-              </a:rPr>
-              <a:t>Lektion</a:t>
+              <a:t>Lektionsbeginn</a:t>
             </a:r>
             <a:endParaRPr lang="en-US" sz="1100" spc="-4" dirty="0">
               <a:latin typeface="Calibri" panose="020F0502020204030204" pitchFamily="34" charset="0"/>
@@ -4831,7 +4699,7 @@
           <p:cNvSpPr txBox="1"/>
           <p:nvPr>
             <p:custDataLst>
-              <p:tags r:id="rId40"/>
+              <p:tags r:id="rId38"/>
             </p:custDataLst>
           </p:nvPr>
         </p:nvSpPr>
@@ -4870,13 +4738,13 @@
           <p:cNvSpPr txBox="1"/>
           <p:nvPr>
             <p:custDataLst>
-              <p:tags r:id="rId41"/>
+              <p:tags r:id="rId39"/>
             </p:custDataLst>
           </p:nvPr>
         </p:nvSpPr>
         <p:spPr>
           <a:xfrm>
-            <a:off x="1160570" y="2205883"/>
+            <a:off x="1176835" y="2193478"/>
             <a:ext cx="1092684" cy="169277"/>
           </a:xfrm>
           <a:prstGeom prst="rect">
@@ -4933,7 +4801,7 @@
           <p:cNvSpPr txBox="1"/>
           <p:nvPr>
             <p:custDataLst>
-              <p:tags r:id="rId42"/>
+              <p:tags r:id="rId40"/>
             </p:custDataLst>
           </p:nvPr>
         </p:nvSpPr>
@@ -4984,13 +4852,13 @@
           <p:cNvSpPr txBox="1"/>
           <p:nvPr>
             <p:custDataLst>
-              <p:tags r:id="rId43"/>
+              <p:tags r:id="rId41"/>
             </p:custDataLst>
           </p:nvPr>
         </p:nvSpPr>
         <p:spPr>
           <a:xfrm>
-            <a:off x="6812800" y="1549202"/>
+            <a:off x="6908780" y="2353292"/>
             <a:ext cx="1121794" cy="169277"/>
           </a:xfrm>
           <a:prstGeom prst="rect">
@@ -5008,8 +4876,17 @@
               <a:rPr lang="en-US" sz="1100" spc="-6" dirty="0">
                 <a:latin typeface="Calibri" panose="020F0502020204030204" pitchFamily="34" charset="0"/>
               </a:rPr>
-              <a:t>interview start</a:t>
-            </a:r>
+              <a:t>Interview </a:t>
+            </a:r>
+            <a:r>
+              <a:rPr lang="en-US" sz="1100" spc="-6" dirty="0" err="1">
+                <a:latin typeface="Calibri" panose="020F0502020204030204" pitchFamily="34" charset="0"/>
+              </a:rPr>
+              <a:t>Beginn</a:t>
+            </a:r>
+            <a:endParaRPr lang="en-US" sz="1100" spc="-6" dirty="0">
+              <a:latin typeface="Calibri" panose="020F0502020204030204" pitchFamily="34" charset="0"/>
+            </a:endParaRPr>
           </a:p>
         </p:txBody>
       </p:sp>
@@ -5066,7 +4943,7 @@
           <p:cNvSpPr/>
           <p:nvPr>
             <p:custDataLst>
-              <p:tags r:id="rId44"/>
+              <p:tags r:id="rId42"/>
             </p:custDataLst>
           </p:nvPr>
         </p:nvSpPr>
@@ -5227,7 +5104,7 @@
           <p:cNvSpPr/>
           <p:nvPr>
             <p:custDataLst>
-              <p:tags r:id="rId45"/>
+              <p:tags r:id="rId43"/>
             </p:custDataLst>
           </p:nvPr>
         </p:nvSpPr>
@@ -5296,7 +5173,7 @@
           <p:cNvSpPr/>
           <p:nvPr>
             <p:custDataLst>
-              <p:tags r:id="rId46"/>
+              <p:tags r:id="rId44"/>
             </p:custDataLst>
           </p:nvPr>
         </p:nvSpPr>
@@ -5493,91 +5370,36 @@
           </p:cNvPr>
           <p:cNvCxnSpPr>
             <a:cxnSpLocks/>
+            <a:stCxn id="21" idx="7"/>
           </p:cNvCxnSpPr>
           <p:nvPr>
             <p:custDataLst>
-              <p:tags r:id="rId47"/>
+              <p:tags r:id="rId45"/>
             </p:custDataLst>
           </p:nvPr>
         </p:nvCxnSpPr>
         <p:spPr>
-          <a:xfrm flipH="1" flipV="1">
-            <a:off x="2519169" y="2597573"/>
-            <a:ext cx="3573" cy="1050000"/>
+          <a:xfrm flipV="1">
+            <a:off x="2575779" y="2597258"/>
+            <a:ext cx="6233" cy="1160018"/>
           </a:xfrm>
           <a:prstGeom prst="line">
             <a:avLst/>
           </a:prstGeom>
-          <a:ln w="6350" cap="flat" cmpd="sng" algn="ctr">
-            <a:solidFill>
-              <a:srgbClr val="CCCCCC"/>
-            </a:solidFill>
-            <a:prstDash val="solid"/>
-            <a:miter lim="800000"/>
+          <a:ln>
             <a:headEnd type="none" w="med" len="med"/>
             <a:tailEnd type="none" w="med" len="med"/>
           </a:ln>
         </p:spPr>
         <p:style>
-          <a:lnRef idx="1">
-            <a:schemeClr val="accent1"/>
+          <a:lnRef idx="3">
+            <a:schemeClr val="accent4"/>
           </a:lnRef>
           <a:fillRef idx="0">
-            <a:schemeClr val="accent1"/>
+            <a:schemeClr val="accent4"/>
           </a:fillRef>
-          <a:effectRef idx="0">
-            <a:schemeClr val="accent1"/>
-          </a:effectRef>
-          <a:fontRef idx="minor">
-            <a:schemeClr val="tx1"/>
-          </a:fontRef>
-        </p:style>
-      </p:cxnSp>
-      <p:cxnSp>
-        <p:nvCxnSpPr>
-          <p:cNvPr id="113" name="OTLSHAPE_T_2d967ba645a54295a3086a8e2442b8bd_LeftVerticalConnector1">
-            <a:extLst>
-              <a:ext uri="{FF2B5EF4-FFF2-40B4-BE49-F238E27FC236}">
-                <a16:creationId xmlns:a16="http://schemas.microsoft.com/office/drawing/2014/main" id="{64A43097-5A49-3449-89B9-A083646C271E}"/>
-              </a:ext>
-            </a:extLst>
-          </p:cNvPr>
-          <p:cNvCxnSpPr>
-            <a:cxnSpLocks/>
-          </p:cNvCxnSpPr>
-          <p:nvPr>
-            <p:custDataLst>
-              <p:tags r:id="rId48"/>
-            </p:custDataLst>
-          </p:nvPr>
-        </p:nvCxnSpPr>
-        <p:spPr>
-          <a:xfrm flipV="1">
-            <a:off x="4962769" y="2597643"/>
-            <a:ext cx="0" cy="2446346"/>
-          </a:xfrm>
-          <a:prstGeom prst="line">
-            <a:avLst/>
-          </a:prstGeom>
-          <a:ln w="6350" cap="flat" cmpd="sng" algn="ctr">
-            <a:solidFill>
-              <a:srgbClr val="CCCCCC"/>
-            </a:solidFill>
-            <a:prstDash val="solid"/>
-            <a:miter lim="800000"/>
-            <a:headEnd type="none" w="med" len="med"/>
-            <a:tailEnd type="none" w="med" len="med"/>
-          </a:ln>
-        </p:spPr>
-        <p:style>
-          <a:lnRef idx="1">
-            <a:schemeClr val="accent1"/>
-          </a:lnRef>
-          <a:fillRef idx="0">
-            <a:schemeClr val="accent1"/>
-          </a:fillRef>
-          <a:effectRef idx="0">
-            <a:schemeClr val="accent1"/>
+          <a:effectRef idx="2">
+            <a:schemeClr val="accent4"/>
           </a:effectRef>
           <a:fontRef idx="minor">
             <a:schemeClr val="tx1"/>
@@ -5598,7 +5420,7 @@
           </p:cNvCxnSpPr>
           <p:nvPr>
             <p:custDataLst>
-              <p:tags r:id="rId49"/>
+              <p:tags r:id="rId46"/>
             </p:custDataLst>
           </p:nvPr>
         </p:nvCxnSpPr>
@@ -5649,7 +5471,7 @@
           </p:cNvCxnSpPr>
           <p:nvPr>
             <p:custDataLst>
-              <p:tags r:id="rId50"/>
+              <p:tags r:id="rId47"/>
             </p:custDataLst>
           </p:nvPr>
         </p:nvCxnSpPr>
@@ -5700,7 +5522,7 @@
           </p:cNvCxnSpPr>
           <p:nvPr>
             <p:custDataLst>
-              <p:tags r:id="rId51"/>
+              <p:tags r:id="rId48"/>
             </p:custDataLst>
           </p:nvPr>
         </p:nvCxnSpPr>
@@ -5751,7 +5573,7 @@
           </p:cNvCxnSpPr>
           <p:nvPr>
             <p:custDataLst>
-              <p:tags r:id="rId52"/>
+              <p:tags r:id="rId49"/>
             </p:custDataLst>
           </p:nvPr>
         </p:nvCxnSpPr>
@@ -5800,13 +5622,13 @@
           <p:cNvSpPr txBox="1"/>
           <p:nvPr>
             <p:custDataLst>
-              <p:tags r:id="rId53"/>
+              <p:tags r:id="rId50"/>
             </p:custDataLst>
           </p:nvPr>
         </p:nvSpPr>
         <p:spPr>
           <a:xfrm>
-            <a:off x="3936385" y="2205882"/>
+            <a:off x="3842251" y="2186530"/>
             <a:ext cx="828057" cy="169277"/>
           </a:xfrm>
           <a:prstGeom prst="rect">
@@ -5821,140 +5643,14 @@
           <a:lstStyle/>
           <a:p>
             <a:r>
-              <a:rPr lang="en-US" sz="1100" spc="-4" dirty="0">
-                <a:latin typeface="Calibri" panose="020F0502020204030204" pitchFamily="34" charset="0"/>
-              </a:rPr>
-              <a:t>Ende </a:t>
-            </a:r>
-            <a:r>
               <a:rPr lang="en-US" sz="1100" spc="-4" dirty="0" err="1">
                 <a:latin typeface="Calibri" panose="020F0502020204030204" pitchFamily="34" charset="0"/>
               </a:rPr>
-              <a:t>Lektion</a:t>
+              <a:t>Lektionsende</a:t>
             </a:r>
             <a:endParaRPr lang="en-US" sz="1100" spc="-4" dirty="0">
               <a:latin typeface="Calibri" panose="020F0502020204030204" pitchFamily="34" charset="0"/>
             </a:endParaRPr>
-          </a:p>
-        </p:txBody>
-      </p:sp>
-      <p:cxnSp>
-        <p:nvCxnSpPr>
-          <p:cNvPr id="145" name="OTLSHAPE_M_7054b8f8cd834d3194a9548bd5e56275_Connector1">
-            <a:extLst>
-              <a:ext uri="{FF2B5EF4-FFF2-40B4-BE49-F238E27FC236}">
-                <a16:creationId xmlns:a16="http://schemas.microsoft.com/office/drawing/2014/main" id="{B00780C0-B7F1-FC4D-BD4C-794D6870B4AE}"/>
-              </a:ext>
-            </a:extLst>
-          </p:cNvPr>
-          <p:cNvCxnSpPr>
-            <a:cxnSpLocks/>
-          </p:cNvCxnSpPr>
-          <p:nvPr>
-            <p:custDataLst>
-              <p:tags r:id="rId54"/>
-            </p:custDataLst>
-          </p:nvPr>
-        </p:nvCxnSpPr>
-        <p:spPr>
-          <a:xfrm flipH="1">
-            <a:off x="9027844" y="1340831"/>
-            <a:ext cx="7586" cy="1836775"/>
-          </a:xfrm>
-          <a:prstGeom prst="line">
-            <a:avLst/>
-          </a:prstGeom>
-          <a:ln w="6350" cap="flat" cmpd="sng" algn="ctr">
-            <a:solidFill>
-              <a:schemeClr val="accent3"/>
-            </a:solidFill>
-            <a:prstDash val="solid"/>
-            <a:miter lim="800000"/>
-            <a:headEnd type="none" w="med" len="med"/>
-            <a:tailEnd type="none" w="med" len="med"/>
-          </a:ln>
-        </p:spPr>
-        <p:style>
-          <a:lnRef idx="1">
-            <a:schemeClr val="accent1"/>
-          </a:lnRef>
-          <a:fillRef idx="0">
-            <a:schemeClr val="accent1"/>
-          </a:fillRef>
-          <a:effectRef idx="0">
-            <a:schemeClr val="accent1"/>
-          </a:effectRef>
-          <a:fontRef idx="minor">
-            <a:schemeClr val="tx1"/>
-          </a:fontRef>
-        </p:style>
-      </p:cxnSp>
-      <p:sp>
-        <p:nvSpPr>
-          <p:cNvPr id="147" name="OTLSHAPE_M_7054b8f8cd834d3194a9548bd5e56275_Shape">
-            <a:extLst>
-              <a:ext uri="{FF2B5EF4-FFF2-40B4-BE49-F238E27FC236}">
-                <a16:creationId xmlns:a16="http://schemas.microsoft.com/office/drawing/2014/main" id="{7372C76F-A4AB-F949-8A80-08E9DAAEAAFB}"/>
-              </a:ext>
-            </a:extLst>
-          </p:cNvPr>
-          <p:cNvSpPr/>
-          <p:nvPr>
-            <p:custDataLst>
-              <p:tags r:id="rId55"/>
-            </p:custDataLst>
-          </p:nvPr>
-        </p:nvSpPr>
-        <p:spPr>
-          <a:xfrm rot="5400000">
-            <a:off x="8862744" y="1370145"/>
-            <a:ext cx="165100" cy="165100"/>
-          </a:xfrm>
-          <a:prstGeom prst="flowChartMerge">
-            <a:avLst/>
-          </a:prstGeom>
-          <a:solidFill>
-            <a:schemeClr val="accent2">
-              <a:lumMod val="60000"/>
-              <a:lumOff val="40000"/>
-            </a:schemeClr>
-          </a:solidFill>
-          <a:ln w="12700" cap="flat" cmpd="sng" algn="ctr">
-            <a:noFill/>
-            <a:prstDash val="solid"/>
-            <a:miter lim="800000"/>
-          </a:ln>
-          <a:effectLst/>
-          <a:scene3d>
-            <a:camera prst="orthographicFront"/>
-            <a:lightRig rig="threePt" dir="t"/>
-          </a:scene3d>
-          <a:sp3d>
-            <a:bevelT h="12700"/>
-          </a:sp3d>
-        </p:spPr>
-        <p:style>
-          <a:lnRef idx="2">
-            <a:schemeClr val="accent1">
-              <a:shade val="50000"/>
-            </a:schemeClr>
-          </a:lnRef>
-          <a:fillRef idx="1">
-            <a:schemeClr val="accent1"/>
-          </a:fillRef>
-          <a:effectRef idx="0">
-            <a:schemeClr val="accent1"/>
-          </a:effectRef>
-          <a:fontRef idx="minor">
-            <a:schemeClr val="lt1"/>
-          </a:fontRef>
-        </p:style>
-        <p:txBody>
-          <a:bodyPr rtlCol="0" anchor="ctr"/>
-          <a:lstStyle/>
-          <a:p>
-            <a:pPr algn="ctr"/>
-            <a:endParaRPr lang="en-GB" dirty="0"/>
           </a:p>
         </p:txBody>
       </p:sp>
@@ -5970,13 +5666,13 @@
           <p:cNvSpPr txBox="1"/>
           <p:nvPr>
             <p:custDataLst>
-              <p:tags r:id="rId56"/>
+              <p:tags r:id="rId51"/>
             </p:custDataLst>
           </p:nvPr>
         </p:nvSpPr>
         <p:spPr>
           <a:xfrm>
-            <a:off x="8235246" y="1527551"/>
+            <a:off x="8176676" y="2348913"/>
             <a:ext cx="1121794" cy="169277"/>
           </a:xfrm>
           <a:prstGeom prst="rect">
@@ -5994,7 +5690,7 @@
               <a:rPr lang="en-US" sz="1100" spc="-6" dirty="0">
                 <a:latin typeface="Calibri" panose="020F0502020204030204" pitchFamily="34" charset="0"/>
               </a:rPr>
-              <a:t>interview end</a:t>
+              <a:t>Interview Ende</a:t>
             </a:r>
           </a:p>
         </p:txBody>
@@ -6013,7 +5709,7 @@
           </p:cNvCxnSpPr>
           <p:nvPr>
             <p:custDataLst>
-              <p:tags r:id="rId57"/>
+              <p:tags r:id="rId52"/>
             </p:custDataLst>
           </p:nvPr>
         </p:nvCxnSpPr>
@@ -6064,7 +5760,7 @@
         </p:nvGrpSpPr>
         <p:grpSpPr>
           <a:xfrm>
-            <a:off x="4702880" y="2205882"/>
+            <a:off x="4599922" y="2193377"/>
             <a:ext cx="171334" cy="968395"/>
             <a:chOff x="4702880" y="2205882"/>
             <a:chExt cx="171334" cy="968395"/>
@@ -6084,7 +5780,7 @@
             </p:cNvCxnSpPr>
             <p:nvPr>
               <p:custDataLst>
-                <p:tags r:id="rId83"/>
+                <p:tags r:id="rId79"/>
               </p:custDataLst>
             </p:nvPr>
           </p:nvCxnSpPr>
@@ -6133,7 +5829,7 @@
             <p:cNvSpPr/>
             <p:nvPr>
               <p:custDataLst>
-                <p:tags r:id="rId84"/>
+                <p:tags r:id="rId80"/>
               </p:custDataLst>
             </p:nvPr>
           </p:nvSpPr>
@@ -6191,147 +5887,72 @@
           </p:txBody>
         </p:sp>
       </p:grpSp>
-      <p:grpSp>
-        <p:nvGrpSpPr>
-          <p:cNvPr id="15" name="Gruppieren 14">
+      <p:sp>
+        <p:nvSpPr>
+          <p:cNvPr id="103" name="OTLSHAPE_M_b53f41a12be2432b8480fcf3d5b7fe90_Shape">
             <a:extLst>
               <a:ext uri="{FF2B5EF4-FFF2-40B4-BE49-F238E27FC236}">
-                <a16:creationId xmlns:a16="http://schemas.microsoft.com/office/drawing/2014/main" id="{916AE3CC-179F-4A81-819A-569E69D533CB}"/>
+                <a16:creationId xmlns:a16="http://schemas.microsoft.com/office/drawing/2014/main" id="{6300D6CD-25B1-6E44-9449-E7E2CE715339}"/>
               </a:ext>
             </a:extLst>
           </p:cNvPr>
-          <p:cNvGrpSpPr/>
-          <p:nvPr/>
-        </p:nvGrpSpPr>
-        <p:grpSpPr>
-          <a:xfrm>
-            <a:off x="2647387" y="2205883"/>
-            <a:ext cx="165100" cy="971723"/>
-            <a:chOff x="2647387" y="2205883"/>
-            <a:chExt cx="165100" cy="971723"/>
-          </a:xfrm>
-        </p:grpSpPr>
-        <p:sp>
-          <p:nvSpPr>
-            <p:cNvPr id="103" name="OTLSHAPE_M_b53f41a12be2432b8480fcf3d5b7fe90_Shape">
-              <a:extLst>
-                <a:ext uri="{FF2B5EF4-FFF2-40B4-BE49-F238E27FC236}">
-                  <a16:creationId xmlns:a16="http://schemas.microsoft.com/office/drawing/2014/main" id="{6300D6CD-25B1-6E44-9449-E7E2CE715339}"/>
-                </a:ext>
-              </a:extLst>
-            </p:cNvPr>
-            <p:cNvSpPr/>
-            <p:nvPr>
-              <p:custDataLst>
-                <p:tags r:id="rId81"/>
-              </p:custDataLst>
-            </p:nvPr>
-          </p:nvSpPr>
-          <p:spPr>
-            <a:xfrm rot="16200000">
-              <a:off x="2647387" y="2205883"/>
-              <a:ext cx="165100" cy="165100"/>
-            </a:xfrm>
-            <a:prstGeom prst="flowChartMerge">
-              <a:avLst/>
-            </a:prstGeom>
-            <a:solidFill>
-              <a:schemeClr val="accent2">
-                <a:lumMod val="60000"/>
-                <a:lumOff val="40000"/>
-              </a:schemeClr>
-            </a:solidFill>
-            <a:ln w="12700" cap="flat" cmpd="sng" algn="ctr">
-              <a:noFill/>
-              <a:prstDash val="solid"/>
-              <a:miter lim="800000"/>
-            </a:ln>
-            <a:effectLst/>
-            <a:scene3d>
-              <a:camera prst="orthographicFront"/>
-              <a:lightRig rig="threePt" dir="t"/>
-            </a:scene3d>
-            <a:sp3d>
-              <a:bevelT h="12700"/>
-            </a:sp3d>
-          </p:spPr>
-          <p:style>
-            <a:lnRef idx="2">
-              <a:schemeClr val="accent1">
-                <a:shade val="50000"/>
-              </a:schemeClr>
-            </a:lnRef>
-            <a:fillRef idx="1">
-              <a:schemeClr val="accent1"/>
-            </a:fillRef>
-            <a:effectRef idx="0">
-              <a:schemeClr val="accent1"/>
-            </a:effectRef>
-            <a:fontRef idx="minor">
-              <a:schemeClr val="lt1"/>
-            </a:fontRef>
-          </p:style>
-          <p:txBody>
-            <a:bodyPr rtlCol="0" anchor="ctr"/>
-            <a:lstStyle/>
-            <a:p>
-              <a:pPr algn="ctr"/>
-              <a:endParaRPr lang="en-GB" dirty="0"/>
-            </a:p>
-          </p:txBody>
-        </p:sp>
-        <p:cxnSp>
-          <p:nvCxnSpPr>
-            <p:cNvPr id="90" name="OTLSHAPE_M_7fbafc6fa86a407589cc1cd7680c9c9b_Connector1">
-              <a:extLst>
-                <a:ext uri="{FF2B5EF4-FFF2-40B4-BE49-F238E27FC236}">
-                  <a16:creationId xmlns:a16="http://schemas.microsoft.com/office/drawing/2014/main" id="{18EC9561-A905-43C8-A8F7-CB47F3BFDD4E}"/>
-                </a:ext>
-              </a:extLst>
-            </p:cNvPr>
-            <p:cNvCxnSpPr>
-              <a:cxnSpLocks/>
-            </p:cNvCxnSpPr>
-            <p:nvPr>
-              <p:custDataLst>
-                <p:tags r:id="rId82"/>
-              </p:custDataLst>
-            </p:nvPr>
-          </p:nvCxnSpPr>
-          <p:spPr>
-            <a:xfrm>
-              <a:off x="2647387" y="2222631"/>
-              <a:ext cx="0" cy="954975"/>
-            </a:xfrm>
-            <a:prstGeom prst="line">
-              <a:avLst/>
-            </a:prstGeom>
-            <a:ln w="6350" cap="flat" cmpd="sng" algn="ctr">
-              <a:solidFill>
-                <a:schemeClr val="accent3"/>
-              </a:solidFill>
-              <a:prstDash val="solid"/>
-              <a:miter lim="800000"/>
-              <a:headEnd type="none" w="med" len="med"/>
-              <a:tailEnd type="none" w="med" len="med"/>
-            </a:ln>
-          </p:spPr>
-          <p:style>
-            <a:lnRef idx="1">
-              <a:schemeClr val="accent1"/>
-            </a:lnRef>
-            <a:fillRef idx="0">
-              <a:schemeClr val="accent1"/>
-            </a:fillRef>
-            <a:effectRef idx="0">
-              <a:schemeClr val="accent1"/>
-            </a:effectRef>
-            <a:fontRef idx="minor">
-              <a:schemeClr val="tx1"/>
-            </a:fontRef>
-          </p:style>
-        </p:cxnSp>
-      </p:grpSp>
+          <p:cNvSpPr/>
+          <p:nvPr>
+            <p:custDataLst>
+              <p:tags r:id="rId53"/>
+            </p:custDataLst>
+          </p:nvPr>
+        </p:nvSpPr>
+        <p:spPr>
+          <a:xfrm rot="16200000">
+            <a:off x="2740566" y="2190084"/>
+            <a:ext cx="165100" cy="165100"/>
+          </a:xfrm>
+          <a:prstGeom prst="flowChartMerge">
+            <a:avLst/>
+          </a:prstGeom>
+          <a:solidFill>
+            <a:schemeClr val="accent1"/>
+          </a:solidFill>
+          <a:ln w="12700" cap="flat" cmpd="sng" algn="ctr">
+            <a:noFill/>
+            <a:prstDash val="solid"/>
+            <a:miter lim="800000"/>
+          </a:ln>
+          <a:effectLst/>
+          <a:scene3d>
+            <a:camera prst="orthographicFront"/>
+            <a:lightRig rig="threePt" dir="t"/>
+          </a:scene3d>
+          <a:sp3d>
+            <a:bevelT h="12700"/>
+          </a:sp3d>
+        </p:spPr>
+        <p:style>
+          <a:lnRef idx="2">
+            <a:schemeClr val="accent1">
+              <a:shade val="50000"/>
+            </a:schemeClr>
+          </a:lnRef>
+          <a:fillRef idx="1">
+            <a:schemeClr val="accent1"/>
+          </a:fillRef>
+          <a:effectRef idx="0">
+            <a:schemeClr val="accent1"/>
+          </a:effectRef>
+          <a:fontRef idx="minor">
+            <a:schemeClr val="lt1"/>
+          </a:fontRef>
+        </p:style>
+        <p:txBody>
+          <a:bodyPr rtlCol="0" anchor="ctr"/>
+          <a:lstStyle/>
+          <a:p>
+            <a:pPr algn="ctr"/>
+            <a:endParaRPr lang="en-GB" dirty="0"/>
+          </a:p>
+        </p:txBody>
+      </p:sp>
       <p:cxnSp>
         <p:nvCxnSpPr>
           <p:cNvPr id="91" name="OTLSHAPE_M_7fbafc6fa86a407589cc1cd7680c9c9b_Connector1">
@@ -6346,7 +5967,7 @@
           </p:cNvCxnSpPr>
           <p:nvPr>
             <p:custDataLst>
-              <p:tags r:id="rId58"/>
+              <p:tags r:id="rId54"/>
             </p:custDataLst>
           </p:nvPr>
         </p:nvCxnSpPr>
@@ -6395,13 +6016,13 @@
           <p:cNvSpPr txBox="1"/>
           <p:nvPr>
             <p:custDataLst>
-              <p:tags r:id="rId59"/>
+              <p:tags r:id="rId55"/>
             </p:custDataLst>
           </p:nvPr>
         </p:nvSpPr>
         <p:spPr>
           <a:xfrm>
-            <a:off x="9786847" y="2239383"/>
+            <a:off x="9526451" y="1822865"/>
             <a:ext cx="1092684" cy="169277"/>
           </a:xfrm>
           <a:prstGeom prst="rect">
@@ -6417,11 +6038,38 @@
           <a:p>
             <a:pPr algn="ctr"/>
             <a:r>
+              <a:rPr lang="en-US" sz="1100" spc="-6" dirty="0" err="1">
+                <a:latin typeface="Calibri" panose="020F0502020204030204" pitchFamily="34" charset="0"/>
+              </a:rPr>
+              <a:t>Uhr</a:t>
+            </a:r>
+            <a:r>
               <a:rPr lang="en-US" sz="1100" spc="-6" dirty="0">
                 <a:latin typeface="Calibri" panose="020F0502020204030204" pitchFamily="34" charset="0"/>
               </a:rPr>
-              <a:t>put off watch</a:t>
-            </a:r>
+              <a:t> </a:t>
+            </a:r>
+            <a:r>
+              <a:rPr lang="en-US" sz="1100" spc="-6" dirty="0" err="1">
+                <a:latin typeface="Calibri" panose="020F0502020204030204" pitchFamily="34" charset="0"/>
+              </a:rPr>
+              <a:t>wird</a:t>
+            </a:r>
+            <a:r>
+              <a:rPr lang="en-US" sz="1100" spc="-6" dirty="0">
+                <a:latin typeface="Calibri" panose="020F0502020204030204" pitchFamily="34" charset="0"/>
+              </a:rPr>
+              <a:t> </a:t>
+            </a:r>
+            <a:r>
+              <a:rPr lang="en-US" sz="1100" spc="-6" dirty="0" err="1">
+                <a:latin typeface="Calibri" panose="020F0502020204030204" pitchFamily="34" charset="0"/>
+              </a:rPr>
+              <a:t>abgelegt</a:t>
+            </a:r>
+            <a:endParaRPr lang="en-US" sz="1100" spc="-6" dirty="0">
+              <a:latin typeface="Calibri" panose="020F0502020204030204" pitchFamily="34" charset="0"/>
+            </a:endParaRPr>
           </a:p>
         </p:txBody>
       </p:sp>
@@ -6437,7 +6085,7 @@
           <p:cNvSpPr/>
           <p:nvPr>
             <p:custDataLst>
-              <p:tags r:id="rId60"/>
+              <p:tags r:id="rId56"/>
             </p:custDataLst>
           </p:nvPr>
         </p:nvSpPr>
@@ -6503,7 +6151,7 @@
           <p:cNvSpPr/>
           <p:nvPr>
             <p:custDataLst>
-              <p:tags r:id="rId61"/>
+              <p:tags r:id="rId57"/>
             </p:custDataLst>
           </p:nvPr>
         </p:nvSpPr>
@@ -6572,13 +6220,164 @@
           <p:cNvSpPr/>
           <p:nvPr>
             <p:custDataLst>
-              <p:tags r:id="rId62"/>
+              <p:tags r:id="rId58"/>
             </p:custDataLst>
           </p:nvPr>
         </p:nvSpPr>
         <p:spPr>
           <a:xfrm>
-            <a:off x="2623814" y="3593693"/>
+            <a:off x="2727637" y="3587516"/>
+            <a:ext cx="1555020" cy="327166"/>
+          </a:xfrm>
+          <a:prstGeom prst="leftRightArrow">
+            <a:avLst>
+              <a:gd name="adj1" fmla="val 75000"/>
+              <a:gd name="adj2" fmla="val 50000"/>
+            </a:avLst>
+          </a:prstGeom>
+          <a:solidFill>
+            <a:schemeClr val="accent1">
+              <a:lumMod val="60000"/>
+              <a:lumOff val="40000"/>
+            </a:schemeClr>
+          </a:solidFill>
+          <a:ln w="12700" cap="flat" cmpd="sng" algn="ctr">
+            <a:noFill/>
+            <a:prstDash val="solid"/>
+            <a:miter lim="800000"/>
+          </a:ln>
+          <a:effectLst/>
+          <a:scene3d>
+            <a:camera prst="orthographicFront"/>
+            <a:lightRig rig="balanced" dir="t">
+              <a:rot lat="0" lon="0" rev="8700000"/>
+            </a:lightRig>
+          </a:scene3d>
+          <a:sp3d>
+            <a:bevelT w="165100" h="12700"/>
+          </a:sp3d>
+        </p:spPr>
+        <p:style>
+          <a:lnRef idx="2">
+            <a:schemeClr val="accent1">
+              <a:shade val="50000"/>
+            </a:schemeClr>
+          </a:lnRef>
+          <a:fillRef idx="1">
+            <a:schemeClr val="accent1"/>
+          </a:fillRef>
+          <a:effectRef idx="0">
+            <a:schemeClr val="accent1"/>
+          </a:effectRef>
+          <a:fontRef idx="minor">
+            <a:schemeClr val="lt1"/>
+          </a:fontRef>
+        </p:style>
+        <p:txBody>
+          <a:bodyPr rtlCol="0" anchor="ctr"/>
+          <a:lstStyle/>
+          <a:p>
+            <a:pPr algn="ctr"/>
+            <a:r>
+              <a:rPr lang="en-US" b="1" spc="-6" dirty="0">
+                <a:solidFill>
+                  <a:schemeClr val="dk1"/>
+                </a:solidFill>
+                <a:latin typeface="Calibri" panose="020F0502020204030204" pitchFamily="34" charset="0"/>
+              </a:rPr>
+              <a:t>(2) Phase</a:t>
+            </a:r>
+          </a:p>
+        </p:txBody>
+      </p:sp>
+      <p:sp>
+        <p:nvSpPr>
+          <p:cNvPr id="106" name="OTLSHAPE_M_97447c8e5fe348a7aa6fa62c420af6ed_Shape">
+            <a:extLst>
+              <a:ext uri="{FF2B5EF4-FFF2-40B4-BE49-F238E27FC236}">
+                <a16:creationId xmlns:a16="http://schemas.microsoft.com/office/drawing/2014/main" id="{A5CD3B9A-89FC-464B-BCE9-B62FB77AFBC1}"/>
+              </a:ext>
+            </a:extLst>
+          </p:cNvPr>
+          <p:cNvSpPr/>
+          <p:nvPr>
+            <p:custDataLst>
+              <p:tags r:id="rId59"/>
+            </p:custDataLst>
+          </p:nvPr>
+        </p:nvSpPr>
+        <p:spPr>
+          <a:xfrm>
+            <a:off x="3215720" y="3122573"/>
+            <a:ext cx="219454" cy="195336"/>
+          </a:xfrm>
+          <a:prstGeom prst="diamond">
+            <a:avLst/>
+          </a:prstGeom>
+          <a:solidFill>
+            <a:schemeClr val="accent2">
+              <a:lumMod val="60000"/>
+              <a:lumOff val="40000"/>
+            </a:schemeClr>
+          </a:solidFill>
+          <a:ln w="12700" cap="flat" cmpd="sng" algn="ctr">
+            <a:noFill/>
+            <a:prstDash val="solid"/>
+            <a:miter lim="800000"/>
+          </a:ln>
+          <a:effectLst/>
+          <a:scene3d>
+            <a:camera prst="orthographicFront"/>
+            <a:lightRig rig="threePt" dir="t"/>
+          </a:scene3d>
+          <a:sp3d>
+            <a:bevelT h="12700"/>
+          </a:sp3d>
+        </p:spPr>
+        <p:style>
+          <a:lnRef idx="2">
+            <a:schemeClr val="accent1">
+              <a:shade val="50000"/>
+            </a:schemeClr>
+          </a:lnRef>
+          <a:fillRef idx="1">
+            <a:schemeClr val="accent1"/>
+          </a:fillRef>
+          <a:effectRef idx="0">
+            <a:schemeClr val="accent1"/>
+          </a:effectRef>
+          <a:fontRef idx="minor">
+            <a:schemeClr val="lt1"/>
+          </a:fontRef>
+        </p:style>
+        <p:txBody>
+          <a:bodyPr rtlCol="0" anchor="ctr"/>
+          <a:lstStyle/>
+          <a:p>
+            <a:pPr algn="ctr"/>
+            <a:endParaRPr lang="en-GB"/>
+          </a:p>
+        </p:txBody>
+      </p:sp>
+      <p:sp>
+        <p:nvSpPr>
+          <p:cNvPr id="110" name="OTLSHAPE_T_2d967ba645a54295a3086a8e2442b8bd_Shape">
+            <a:extLst>
+              <a:ext uri="{FF2B5EF4-FFF2-40B4-BE49-F238E27FC236}">
+                <a16:creationId xmlns:a16="http://schemas.microsoft.com/office/drawing/2014/main" id="{94B88192-22A0-4667-86A4-A74AA59CEA55}"/>
+              </a:ext>
+            </a:extLst>
+          </p:cNvPr>
+          <p:cNvSpPr/>
+          <p:nvPr>
+            <p:custDataLst>
+              <p:tags r:id="rId60"/>
+            </p:custDataLst>
+          </p:nvPr>
+        </p:nvSpPr>
+        <p:spPr>
+          <a:xfrm>
+            <a:off x="4805360" y="3587516"/>
             <a:ext cx="1555020" cy="327166"/>
           </a:xfrm>
           <a:prstGeom prst="leftRightArrow">
@@ -6637,150 +6436,30 @@
                 </a:solidFill>
                 <a:latin typeface="Calibri" panose="020F0502020204030204" pitchFamily="34" charset="0"/>
               </a:rPr>
-              <a:t>(2) Phase</a:t>
-            </a:r>
-          </a:p>
-        </p:txBody>
-      </p:sp>
-      <p:sp>
-        <p:nvSpPr>
-          <p:cNvPr id="106" name="OTLSHAPE_M_97447c8e5fe348a7aa6fa62c420af6ed_Shape">
+              <a:t>(3) Phase</a:t>
+            </a:r>
+          </a:p>
+        </p:txBody>
+      </p:sp>
+      <p:sp>
+        <p:nvSpPr>
+          <p:cNvPr id="125" name="OTLSHAPE_T_2d967ba645a54295a3086a8e2442b8bd_Shape">
             <a:extLst>
               <a:ext uri="{FF2B5EF4-FFF2-40B4-BE49-F238E27FC236}">
-                <a16:creationId xmlns:a16="http://schemas.microsoft.com/office/drawing/2014/main" id="{A5CD3B9A-89FC-464B-BCE9-B62FB77AFBC1}"/>
+                <a16:creationId xmlns:a16="http://schemas.microsoft.com/office/drawing/2014/main" id="{75A62F59-FC5A-4947-BF1D-3129B2F16F3E}"/>
               </a:ext>
             </a:extLst>
           </p:cNvPr>
           <p:cNvSpPr/>
           <p:nvPr>
             <p:custDataLst>
-              <p:tags r:id="rId63"/>
+              <p:tags r:id="rId61"/>
             </p:custDataLst>
           </p:nvPr>
         </p:nvSpPr>
         <p:spPr>
           <a:xfrm>
-            <a:off x="3215720" y="3122573"/>
-            <a:ext cx="219454" cy="195336"/>
-          </a:xfrm>
-          <a:prstGeom prst="diamond">
-            <a:avLst/>
-          </a:prstGeom>
-          <a:solidFill>
-            <a:schemeClr val="accent2">
-              <a:lumMod val="60000"/>
-              <a:lumOff val="40000"/>
-            </a:schemeClr>
-          </a:solidFill>
-          <a:ln w="12700" cap="flat" cmpd="sng" algn="ctr">
-            <a:noFill/>
-            <a:prstDash val="solid"/>
-            <a:miter lim="800000"/>
-          </a:ln>
-          <a:effectLst/>
-          <a:scene3d>
-            <a:camera prst="orthographicFront"/>
-            <a:lightRig rig="threePt" dir="t"/>
-          </a:scene3d>
-          <a:sp3d>
-            <a:bevelT h="12700"/>
-          </a:sp3d>
-        </p:spPr>
-        <p:style>
-          <a:lnRef idx="2">
-            <a:schemeClr val="accent1">
-              <a:shade val="50000"/>
-            </a:schemeClr>
-          </a:lnRef>
-          <a:fillRef idx="1">
-            <a:schemeClr val="accent1"/>
-          </a:fillRef>
-          <a:effectRef idx="0">
-            <a:schemeClr val="accent1"/>
-          </a:effectRef>
-          <a:fontRef idx="minor">
-            <a:schemeClr val="lt1"/>
-          </a:fontRef>
-        </p:style>
-        <p:txBody>
-          <a:bodyPr rtlCol="0" anchor="ctr"/>
-          <a:lstStyle/>
-          <a:p>
-            <a:pPr algn="ctr"/>
-            <a:endParaRPr lang="en-GB"/>
-          </a:p>
-        </p:txBody>
-      </p:sp>
-      <p:cxnSp>
-        <p:nvCxnSpPr>
-          <p:cNvPr id="109" name="OTLSHAPE_T_2d967ba645a54295a3086a8e2442b8bd_LeftVerticalConnector1">
-            <a:extLst>
-              <a:ext uri="{FF2B5EF4-FFF2-40B4-BE49-F238E27FC236}">
-                <a16:creationId xmlns:a16="http://schemas.microsoft.com/office/drawing/2014/main" id="{0B6A70A5-FC0A-4E10-A6BA-31BF54A22816}"/>
-              </a:ext>
-            </a:extLst>
-          </p:cNvPr>
-          <p:cNvCxnSpPr>
-            <a:cxnSpLocks/>
-          </p:cNvCxnSpPr>
-          <p:nvPr>
-            <p:custDataLst>
-              <p:tags r:id="rId64"/>
-            </p:custDataLst>
-          </p:nvPr>
-        </p:nvCxnSpPr>
-        <p:spPr>
-          <a:xfrm flipV="1">
-            <a:off x="4197653" y="2609997"/>
-            <a:ext cx="5597" cy="2438170"/>
-          </a:xfrm>
-          <a:prstGeom prst="line">
-            <a:avLst/>
-          </a:prstGeom>
-          <a:ln w="6350" cap="flat" cmpd="sng" algn="ctr">
-            <a:solidFill>
-              <a:srgbClr val="CCCCCC"/>
-            </a:solidFill>
-            <a:prstDash val="solid"/>
-            <a:miter lim="800000"/>
-            <a:headEnd type="none" w="med" len="med"/>
-            <a:tailEnd type="none" w="med" len="med"/>
-          </a:ln>
-        </p:spPr>
-        <p:style>
-          <a:lnRef idx="1">
-            <a:schemeClr val="accent1"/>
-          </a:lnRef>
-          <a:fillRef idx="0">
-            <a:schemeClr val="accent1"/>
-          </a:fillRef>
-          <a:effectRef idx="0">
-            <a:schemeClr val="accent1"/>
-          </a:effectRef>
-          <a:fontRef idx="minor">
-            <a:schemeClr val="tx1"/>
-          </a:fontRef>
-        </p:style>
-      </p:cxnSp>
-      <p:sp>
-        <p:nvSpPr>
-          <p:cNvPr id="110" name="OTLSHAPE_T_2d967ba645a54295a3086a8e2442b8bd_Shape">
-            <a:extLst>
-              <a:ext uri="{FF2B5EF4-FFF2-40B4-BE49-F238E27FC236}">
-                <a16:creationId xmlns:a16="http://schemas.microsoft.com/office/drawing/2014/main" id="{94B88192-22A0-4667-86A4-A74AA59CEA55}"/>
-              </a:ext>
-            </a:extLst>
-          </p:cNvPr>
-          <p:cNvSpPr/>
-          <p:nvPr>
-            <p:custDataLst>
-              <p:tags r:id="rId65"/>
-            </p:custDataLst>
-          </p:nvPr>
-        </p:nvSpPr>
-        <p:spPr>
-          <a:xfrm>
-            <a:off x="5011751" y="3549159"/>
+            <a:off x="7195404" y="3549159"/>
             <a:ext cx="1555020" cy="327166"/>
           </a:xfrm>
           <a:prstGeom prst="leftRightArrow">
@@ -6839,81 +6518,30 @@
                 </a:solidFill>
                 <a:latin typeface="Calibri" panose="020F0502020204030204" pitchFamily="34" charset="0"/>
               </a:rPr>
-              <a:t>(3) Phase</a:t>
-            </a:r>
-          </a:p>
-        </p:txBody>
-      </p:sp>
-      <p:cxnSp>
-        <p:nvCxnSpPr>
-          <p:cNvPr id="124" name="OTLSHAPE_T_2d967ba645a54295a3086a8e2442b8bd_LeftVerticalConnector1">
+              <a:t>(4) Phase</a:t>
+            </a:r>
+          </a:p>
+        </p:txBody>
+      </p:sp>
+      <p:sp>
+        <p:nvSpPr>
+          <p:cNvPr id="126" name="OTLSHAPE_T_2d967ba645a54295a3086a8e2442b8bd_Shape">
             <a:extLst>
               <a:ext uri="{FF2B5EF4-FFF2-40B4-BE49-F238E27FC236}">
-                <a16:creationId xmlns:a16="http://schemas.microsoft.com/office/drawing/2014/main" id="{A9D3FC54-80E1-4871-8D0E-02A495C46214}"/>
-              </a:ext>
-            </a:extLst>
-          </p:cNvPr>
-          <p:cNvCxnSpPr>
-            <a:cxnSpLocks/>
-          </p:cNvCxnSpPr>
-          <p:nvPr>
-            <p:custDataLst>
-              <p:tags r:id="rId66"/>
-            </p:custDataLst>
-          </p:nvPr>
-        </p:nvCxnSpPr>
-        <p:spPr>
-          <a:xfrm flipV="1">
-            <a:off x="6547436" y="2597524"/>
-            <a:ext cx="12457" cy="2446463"/>
-          </a:xfrm>
-          <a:prstGeom prst="line">
-            <a:avLst/>
-          </a:prstGeom>
-          <a:ln w="6350" cap="flat" cmpd="sng" algn="ctr">
-            <a:solidFill>
-              <a:srgbClr val="CCCCCC"/>
-            </a:solidFill>
-            <a:prstDash val="solid"/>
-            <a:miter lim="800000"/>
-            <a:headEnd type="none" w="med" len="med"/>
-            <a:tailEnd type="none" w="med" len="med"/>
-          </a:ln>
-        </p:spPr>
-        <p:style>
-          <a:lnRef idx="1">
-            <a:schemeClr val="accent1"/>
-          </a:lnRef>
-          <a:fillRef idx="0">
-            <a:schemeClr val="accent1"/>
-          </a:fillRef>
-          <a:effectRef idx="0">
-            <a:schemeClr val="accent1"/>
-          </a:effectRef>
-          <a:fontRef idx="minor">
-            <a:schemeClr val="tx1"/>
-          </a:fontRef>
-        </p:style>
-      </p:cxnSp>
-      <p:sp>
-        <p:nvSpPr>
-          <p:cNvPr id="125" name="OTLSHAPE_T_2d967ba645a54295a3086a8e2442b8bd_Shape">
-            <a:extLst>
-              <a:ext uri="{FF2B5EF4-FFF2-40B4-BE49-F238E27FC236}">
-                <a16:creationId xmlns:a16="http://schemas.microsoft.com/office/drawing/2014/main" id="{75A62F59-FC5A-4947-BF1D-3129B2F16F3E}"/>
+                <a16:creationId xmlns:a16="http://schemas.microsoft.com/office/drawing/2014/main" id="{E0119704-D030-4327-9442-5A44444A0A6F}"/>
               </a:ext>
             </a:extLst>
           </p:cNvPr>
           <p:cNvSpPr/>
           <p:nvPr>
             <p:custDataLst>
-              <p:tags r:id="rId67"/>
+              <p:tags r:id="rId62"/>
             </p:custDataLst>
           </p:nvPr>
         </p:nvSpPr>
         <p:spPr>
           <a:xfrm>
-            <a:off x="7195404" y="3549159"/>
+            <a:off x="9342317" y="3547334"/>
             <a:ext cx="1555020" cy="327166"/>
           </a:xfrm>
           <a:prstGeom prst="leftRightArrow">
@@ -6972,140 +6600,70 @@
                 </a:solidFill>
                 <a:latin typeface="Calibri" panose="020F0502020204030204" pitchFamily="34" charset="0"/>
               </a:rPr>
-              <a:t>(4) Phase</a:t>
-            </a:r>
-          </a:p>
-        </p:txBody>
-      </p:sp>
-      <p:sp>
-        <p:nvSpPr>
-          <p:cNvPr id="126" name="OTLSHAPE_T_2d967ba645a54295a3086a8e2442b8bd_Shape">
+              <a:t>(5) Phase</a:t>
+            </a:r>
+          </a:p>
+        </p:txBody>
+      </p:sp>
+      <p:sp>
+        <p:nvSpPr>
+          <p:cNvPr id="144" name="OTLSHAPE_M_91db5627cb2145a49d81ed580781d5a8_Date">
             <a:extLst>
               <a:ext uri="{FF2B5EF4-FFF2-40B4-BE49-F238E27FC236}">
-                <a16:creationId xmlns:a16="http://schemas.microsoft.com/office/drawing/2014/main" id="{E0119704-D030-4327-9442-5A44444A0A6F}"/>
+                <a16:creationId xmlns:a16="http://schemas.microsoft.com/office/drawing/2014/main" id="{7DF5200E-5213-42EA-85FA-C7A4331CF166}"/>
               </a:ext>
             </a:extLst>
           </p:cNvPr>
-          <p:cNvSpPr/>
+          <p:cNvSpPr txBox="1"/>
           <p:nvPr>
             <p:custDataLst>
-              <p:tags r:id="rId68"/>
+              <p:tags r:id="rId63"/>
             </p:custDataLst>
           </p:nvPr>
         </p:nvSpPr>
         <p:spPr>
           <a:xfrm>
-            <a:off x="9342317" y="3547334"/>
-            <a:ext cx="1555020" cy="327166"/>
-          </a:xfrm>
-          <a:prstGeom prst="leftRightArrow">
-            <a:avLst>
-              <a:gd name="adj1" fmla="val 75000"/>
-              <a:gd name="adj2" fmla="val 50000"/>
-            </a:avLst>
-          </a:prstGeom>
-          <a:solidFill>
-            <a:schemeClr val="accent6">
-              <a:lumMod val="60000"/>
-              <a:lumOff val="40000"/>
-            </a:schemeClr>
-          </a:solidFill>
-          <a:ln w="12700" cap="flat" cmpd="sng" algn="ctr">
-            <a:noFill/>
-            <a:prstDash val="solid"/>
-            <a:miter lim="800000"/>
-          </a:ln>
-          <a:effectLst/>
-          <a:scene3d>
-            <a:camera prst="orthographicFront"/>
-            <a:lightRig rig="balanced" dir="t">
-              <a:rot lat="0" lon="0" rev="8700000"/>
-            </a:lightRig>
-          </a:scene3d>
-          <a:sp3d>
-            <a:bevelT w="165100" h="12700"/>
-          </a:sp3d>
-        </p:spPr>
-        <p:style>
-          <a:lnRef idx="2">
-            <a:schemeClr val="accent1">
-              <a:shade val="50000"/>
-            </a:schemeClr>
-          </a:lnRef>
-          <a:fillRef idx="1">
-            <a:schemeClr val="accent1"/>
-          </a:fillRef>
-          <a:effectRef idx="0">
-            <a:schemeClr val="accent1"/>
-          </a:effectRef>
-          <a:fontRef idx="minor">
-            <a:schemeClr val="lt1"/>
-          </a:fontRef>
-        </p:style>
-        <p:txBody>
-          <a:bodyPr rtlCol="0" anchor="ctr"/>
-          <a:lstStyle/>
-          <a:p>
-            <a:pPr algn="ctr"/>
-            <a:r>
-              <a:rPr lang="en-US" b="1" spc="-6" dirty="0">
-                <a:solidFill>
-                  <a:schemeClr val="dk1"/>
-                </a:solidFill>
-                <a:latin typeface="Calibri" panose="020F0502020204030204" pitchFamily="34" charset="0"/>
-              </a:rPr>
-              <a:t>(5) Phase</a:t>
-            </a:r>
-          </a:p>
-        </p:txBody>
-      </p:sp>
-      <p:sp>
-        <p:nvSpPr>
-          <p:cNvPr id="127" name="Rechteck 126">
-            <a:extLst>
-              <a:ext uri="{FF2B5EF4-FFF2-40B4-BE49-F238E27FC236}">
-                <a16:creationId xmlns:a16="http://schemas.microsoft.com/office/drawing/2014/main" id="{268D7D34-5ED5-4AC7-8D02-2E5D0817AD3F}"/>
-              </a:ext>
-            </a:extLst>
-          </p:cNvPr>
-          <p:cNvSpPr/>
-          <p:nvPr/>
-        </p:nvSpPr>
-        <p:spPr>
-          <a:xfrm>
-            <a:off x="2867769" y="466754"/>
-            <a:ext cx="6167623" cy="523220"/>
+            <a:off x="5006740" y="2014745"/>
+            <a:ext cx="1121794" cy="507831"/>
           </a:xfrm>
           <a:prstGeom prst="rect">
             <a:avLst/>
           </a:prstGeom>
-        </p:spPr>
-        <p:txBody>
-          <a:bodyPr wrap="square">
+          <a:noFill/>
+        </p:spPr>
+        <p:txBody>
+          <a:bodyPr vert="horz" wrap="square" lIns="0" tIns="0" rIns="0" bIns="0" rtlCol="0" anchor="ctr" anchorCtr="0">
             <a:spAutoFit/>
           </a:bodyPr>
           <a:lstStyle/>
           <a:p>
-            <a:pPr algn="ctr"/>
-            <a:r>
-              <a:rPr lang="en-US" sz="2800" b="1" spc="-6" dirty="0" err="1">
+            <a:r>
+              <a:rPr lang="en-US" sz="1100" spc="-6" dirty="0" err="1">
                 <a:latin typeface="Calibri" panose="020F0502020204030204" pitchFamily="34" charset="0"/>
               </a:rPr>
-              <a:t>Ablauf</a:t>
-            </a:r>
-            <a:r>
-              <a:rPr lang="en-US" sz="2800" b="1" spc="-6" dirty="0">
+              <a:t>Kalibrierung</a:t>
+            </a:r>
+            <a:r>
+              <a:rPr lang="en-US" sz="1100" spc="-6" dirty="0">
                 <a:latin typeface="Calibri" panose="020F0502020204030204" pitchFamily="34" charset="0"/>
               </a:rPr>
-              <a:t> Fitbit </a:t>
-            </a:r>
-            <a:r>
-              <a:rPr lang="en-US" sz="2800" b="1" spc="-6" dirty="0" err="1">
+              <a:t>/ </a:t>
+            </a:r>
+            <a:r>
+              <a:rPr lang="en-US" sz="1100" spc="-6" dirty="0" err="1">
                 <a:latin typeface="Calibri" panose="020F0502020204030204" pitchFamily="34" charset="0"/>
               </a:rPr>
-              <a:t>Datenerhebung</a:t>
-            </a:r>
-            <a:endParaRPr lang="en-US" sz="2800" b="1" spc="-6" dirty="0">
+              <a:t>Fragebogen</a:t>
+            </a:r>
+            <a:r>
+              <a:rPr lang="en-US" sz="1100" spc="-6" dirty="0">
+                <a:latin typeface="Calibri" panose="020F0502020204030204" pitchFamily="34" charset="0"/>
+              </a:rPr>
+              <a:t>/ </a:t>
+            </a:r>
+          </a:p>
+          <a:p>
+            <a:endParaRPr lang="en-US" sz="1100" spc="-6" dirty="0">
               <a:latin typeface="Calibri" panose="020F0502020204030204" pitchFamily="34" charset="0"/>
             </a:endParaRPr>
           </a:p>
@@ -7113,10 +6671,10 @@
       </p:sp>
       <p:cxnSp>
         <p:nvCxnSpPr>
-          <p:cNvPr id="135" name="OTLSHAPE_M_7054b8f8cd834d3194a9548bd5e56275_Connector1">
+          <p:cNvPr id="148" name="OTLSHAPE_M_7fbafc6fa86a407589cc1cd7680c9c9b_Connector1">
             <a:extLst>
               <a:ext uri="{FF2B5EF4-FFF2-40B4-BE49-F238E27FC236}">
-                <a16:creationId xmlns:a16="http://schemas.microsoft.com/office/drawing/2014/main" id="{DB647630-0230-4C4B-B5C1-A5CA0CBB1F96}"/>
+                <a16:creationId xmlns:a16="http://schemas.microsoft.com/office/drawing/2014/main" id="{079AE000-1586-4098-9F1B-B44D58B4B06D}"/>
               </a:ext>
             </a:extLst>
           </p:cNvPr>
@@ -7125,14 +6683,14 @@
           </p:cNvCxnSpPr>
           <p:nvPr>
             <p:custDataLst>
-              <p:tags r:id="rId69"/>
+              <p:tags r:id="rId64"/>
             </p:custDataLst>
           </p:nvPr>
         </p:nvCxnSpPr>
         <p:spPr>
           <a:xfrm>
-            <a:off x="6780691" y="1378861"/>
-            <a:ext cx="0" cy="1798745"/>
+            <a:off x="9318241" y="2331980"/>
+            <a:ext cx="0" cy="265544"/>
           </a:xfrm>
           <a:prstGeom prst="line">
             <a:avLst/>
@@ -7164,160 +6722,6 @@
       </p:cxnSp>
       <p:sp>
         <p:nvSpPr>
-          <p:cNvPr id="144" name="OTLSHAPE_M_91db5627cb2145a49d81ed580781d5a8_Date">
-            <a:extLst>
-              <a:ext uri="{FF2B5EF4-FFF2-40B4-BE49-F238E27FC236}">
-                <a16:creationId xmlns:a16="http://schemas.microsoft.com/office/drawing/2014/main" id="{7DF5200E-5213-42EA-85FA-C7A4331CF166}"/>
-              </a:ext>
-            </a:extLst>
-          </p:cNvPr>
-          <p:cNvSpPr txBox="1"/>
-          <p:nvPr>
-            <p:custDataLst>
-              <p:tags r:id="rId70"/>
-            </p:custDataLst>
-          </p:nvPr>
-        </p:nvSpPr>
-        <p:spPr>
-          <a:xfrm>
-            <a:off x="5046200" y="2020807"/>
-            <a:ext cx="1121794" cy="169277"/>
-          </a:xfrm>
-          <a:prstGeom prst="rect">
-            <a:avLst/>
-          </a:prstGeom>
-          <a:noFill/>
-        </p:spPr>
-        <p:txBody>
-          <a:bodyPr vert="horz" wrap="square" lIns="0" tIns="0" rIns="0" bIns="0" rtlCol="0" anchor="ctr" anchorCtr="0">
-            <a:spAutoFit/>
-          </a:bodyPr>
-          <a:lstStyle/>
-          <a:p>
-            <a:r>
-              <a:rPr lang="en-US" sz="1100" spc="-6" dirty="0" err="1">
-                <a:latin typeface="Calibri" panose="020F0502020204030204" pitchFamily="34" charset="0"/>
-              </a:rPr>
-              <a:t>Beginn</a:t>
-            </a:r>
-            <a:r>
-              <a:rPr lang="en-US" sz="1100" spc="-6" dirty="0">
-                <a:latin typeface="Calibri" panose="020F0502020204030204" pitchFamily="34" charset="0"/>
-              </a:rPr>
-              <a:t> </a:t>
-            </a:r>
-            <a:r>
-              <a:rPr lang="en-US" sz="1100" spc="-6" dirty="0" err="1">
-                <a:latin typeface="Calibri" panose="020F0502020204030204" pitchFamily="34" charset="0"/>
-              </a:rPr>
-              <a:t>Fragebogen</a:t>
-            </a:r>
-            <a:endParaRPr lang="en-US" sz="1100" spc="-6" dirty="0">
-              <a:latin typeface="Calibri" panose="020F0502020204030204" pitchFamily="34" charset="0"/>
-            </a:endParaRPr>
-          </a:p>
-        </p:txBody>
-      </p:sp>
-      <p:sp>
-        <p:nvSpPr>
-          <p:cNvPr id="146" name="OTLSHAPE_M_91db5627cb2145a49d81ed580781d5a8_Date">
-            <a:extLst>
-              <a:ext uri="{FF2B5EF4-FFF2-40B4-BE49-F238E27FC236}">
-                <a16:creationId xmlns:a16="http://schemas.microsoft.com/office/drawing/2014/main" id="{9165DEE3-9962-4677-AF1A-90B8BAFC9765}"/>
-              </a:ext>
-            </a:extLst>
-          </p:cNvPr>
-          <p:cNvSpPr txBox="1"/>
-          <p:nvPr>
-            <p:custDataLst>
-              <p:tags r:id="rId71"/>
-            </p:custDataLst>
-          </p:nvPr>
-        </p:nvSpPr>
-        <p:spPr>
-          <a:xfrm>
-            <a:off x="5719781" y="2388917"/>
-            <a:ext cx="1121794" cy="169277"/>
-          </a:xfrm>
-          <a:prstGeom prst="rect">
-            <a:avLst/>
-          </a:prstGeom>
-          <a:noFill/>
-        </p:spPr>
-        <p:txBody>
-          <a:bodyPr vert="horz" wrap="square" lIns="0" tIns="0" rIns="0" bIns="0" rtlCol="0" anchor="ctr" anchorCtr="0">
-            <a:spAutoFit/>
-          </a:bodyPr>
-          <a:lstStyle/>
-          <a:p>
-            <a:r>
-              <a:rPr lang="en-US" sz="1100" spc="-6" dirty="0" err="1">
-                <a:latin typeface="Calibri" panose="020F0502020204030204" pitchFamily="34" charset="0"/>
-              </a:rPr>
-              <a:t>Fragebogen</a:t>
-            </a:r>
-            <a:r>
-              <a:rPr lang="en-US" sz="1100" spc="-6" dirty="0">
-                <a:latin typeface="Calibri" panose="020F0502020204030204" pitchFamily="34" charset="0"/>
-              </a:rPr>
-              <a:t> Ende</a:t>
-            </a:r>
-          </a:p>
-        </p:txBody>
-      </p:sp>
-      <p:cxnSp>
-        <p:nvCxnSpPr>
-          <p:cNvPr id="148" name="OTLSHAPE_M_7fbafc6fa86a407589cc1cd7680c9c9b_Connector1">
-            <a:extLst>
-              <a:ext uri="{FF2B5EF4-FFF2-40B4-BE49-F238E27FC236}">
-                <a16:creationId xmlns:a16="http://schemas.microsoft.com/office/drawing/2014/main" id="{079AE000-1586-4098-9F1B-B44D58B4B06D}"/>
-              </a:ext>
-            </a:extLst>
-          </p:cNvPr>
-          <p:cNvCxnSpPr>
-            <a:cxnSpLocks/>
-          </p:cNvCxnSpPr>
-          <p:nvPr>
-            <p:custDataLst>
-              <p:tags r:id="rId72"/>
-            </p:custDataLst>
-          </p:nvPr>
-        </p:nvCxnSpPr>
-        <p:spPr>
-          <a:xfrm>
-            <a:off x="9318241" y="2331980"/>
-            <a:ext cx="0" cy="265544"/>
-          </a:xfrm>
-          <a:prstGeom prst="line">
-            <a:avLst/>
-          </a:prstGeom>
-          <a:ln w="6350" cap="flat" cmpd="sng" algn="ctr">
-            <a:solidFill>
-              <a:schemeClr val="accent3"/>
-            </a:solidFill>
-            <a:prstDash val="solid"/>
-            <a:miter lim="800000"/>
-            <a:headEnd type="none" w="med" len="med"/>
-            <a:tailEnd type="none" w="med" len="med"/>
-          </a:ln>
-        </p:spPr>
-        <p:style>
-          <a:lnRef idx="1">
-            <a:schemeClr val="accent1"/>
-          </a:lnRef>
-          <a:fillRef idx="0">
-            <a:schemeClr val="accent1"/>
-          </a:fillRef>
-          <a:effectRef idx="0">
-            <a:schemeClr val="accent1"/>
-          </a:effectRef>
-          <a:fontRef idx="minor">
-            <a:schemeClr val="tx1"/>
-          </a:fontRef>
-        </p:style>
-      </p:cxnSp>
-      <p:sp>
-        <p:nvSpPr>
           <p:cNvPr id="149" name="OTLSHAPE_M_7054b8f8cd834d3194a9548bd5e56275_Shape">
             <a:extLst>
               <a:ext uri="{FF2B5EF4-FFF2-40B4-BE49-F238E27FC236}">
@@ -7328,7 +6732,7 @@
           <p:cNvSpPr/>
           <p:nvPr>
             <p:custDataLst>
-              <p:tags r:id="rId73"/>
+              <p:tags r:id="rId65"/>
             </p:custDataLst>
           </p:nvPr>
         </p:nvSpPr>
@@ -7397,7 +6801,7 @@
           <p:cNvSpPr txBox="1"/>
           <p:nvPr>
             <p:custDataLst>
-              <p:tags r:id="rId74"/>
+              <p:tags r:id="rId66"/>
             </p:custDataLst>
           </p:nvPr>
         </p:nvSpPr>
@@ -7440,10 +6844,10 @@
         </p:nvGrpSpPr>
         <p:grpSpPr>
           <a:xfrm>
-            <a:off x="1033098" y="2202554"/>
-            <a:ext cx="165100" cy="971723"/>
-            <a:chOff x="2647387" y="2205883"/>
-            <a:chExt cx="165100" cy="971723"/>
+            <a:off x="1020759" y="2202554"/>
+            <a:ext cx="177439" cy="1554722"/>
+            <a:chOff x="2635048" y="2205883"/>
+            <a:chExt cx="177439" cy="1554722"/>
           </a:xfrm>
         </p:grpSpPr>
         <p:sp>
@@ -7458,7 +6862,7 @@
             <p:cNvSpPr/>
             <p:nvPr>
               <p:custDataLst>
-                <p:tags r:id="rId79"/>
+                <p:tags r:id="rId77"/>
               </p:custDataLst>
             </p:nvPr>
           </p:nvSpPr>
@@ -7471,10 +6875,7 @@
               <a:avLst/>
             </a:prstGeom>
             <a:solidFill>
-              <a:schemeClr val="accent2">
-                <a:lumMod val="60000"/>
-                <a:lumOff val="40000"/>
-              </a:schemeClr>
+              <a:srgbClr val="FFC000"/>
             </a:solidFill>
             <a:ln w="12700" cap="flat" cmpd="sng" algn="ctr">
               <a:noFill/>
@@ -7526,147 +6927,7 @@
             </p:cNvPr>
             <p:cNvCxnSpPr>
               <a:cxnSpLocks/>
-            </p:cNvCxnSpPr>
-            <p:nvPr>
-              <p:custDataLst>
-                <p:tags r:id="rId80"/>
-              </p:custDataLst>
-            </p:nvPr>
-          </p:nvCxnSpPr>
-          <p:spPr>
-            <a:xfrm>
-              <a:off x="2647387" y="2222631"/>
-              <a:ext cx="0" cy="954975"/>
-            </a:xfrm>
-            <a:prstGeom prst="line">
-              <a:avLst/>
-            </a:prstGeom>
-            <a:ln w="6350" cap="flat" cmpd="sng" algn="ctr">
-              <a:solidFill>
-                <a:schemeClr val="accent3"/>
-              </a:solidFill>
-              <a:prstDash val="solid"/>
-              <a:miter lim="800000"/>
-              <a:headEnd type="none" w="med" len="med"/>
-              <a:tailEnd type="none" w="med" len="med"/>
-            </a:ln>
-          </p:spPr>
-          <p:style>
-            <a:lnRef idx="1">
-              <a:schemeClr val="accent1"/>
-            </a:lnRef>
-            <a:fillRef idx="0">
-              <a:schemeClr val="accent1"/>
-            </a:fillRef>
-            <a:effectRef idx="0">
-              <a:schemeClr val="accent1"/>
-            </a:effectRef>
-            <a:fontRef idx="minor">
-              <a:schemeClr val="tx1"/>
-            </a:fontRef>
-          </p:style>
-        </p:cxnSp>
-      </p:grpSp>
-      <p:grpSp>
-        <p:nvGrpSpPr>
-          <p:cNvPr id="117" name="Gruppieren 116">
-            <a:extLst>
-              <a:ext uri="{FF2B5EF4-FFF2-40B4-BE49-F238E27FC236}">
-                <a16:creationId xmlns:a16="http://schemas.microsoft.com/office/drawing/2014/main" id="{EDA2774A-EDCA-456A-A1AE-BAD1712F1B91}"/>
-              </a:ext>
-            </a:extLst>
-          </p:cNvPr>
-          <p:cNvGrpSpPr/>
-          <p:nvPr/>
-        </p:nvGrpSpPr>
-        <p:grpSpPr>
-          <a:xfrm>
-            <a:off x="4982237" y="2197778"/>
-            <a:ext cx="165100" cy="971723"/>
-            <a:chOff x="2647387" y="2205883"/>
-            <a:chExt cx="165100" cy="971723"/>
-          </a:xfrm>
-        </p:grpSpPr>
-        <p:sp>
-          <p:nvSpPr>
-            <p:cNvPr id="118" name="OTLSHAPE_M_b53f41a12be2432b8480fcf3d5b7fe90_Shape">
-              <a:extLst>
-                <a:ext uri="{FF2B5EF4-FFF2-40B4-BE49-F238E27FC236}">
-                  <a16:creationId xmlns:a16="http://schemas.microsoft.com/office/drawing/2014/main" id="{3F04A891-7A6B-4813-8693-FE13C343DDE8}"/>
-                </a:ext>
-              </a:extLst>
-            </p:cNvPr>
-            <p:cNvSpPr/>
-            <p:nvPr>
-              <p:custDataLst>
-                <p:tags r:id="rId77"/>
-              </p:custDataLst>
-            </p:nvPr>
-          </p:nvSpPr>
-          <p:spPr>
-            <a:xfrm rot="16200000">
-              <a:off x="2647387" y="2205883"/>
-              <a:ext cx="165100" cy="165100"/>
-            </a:xfrm>
-            <a:prstGeom prst="flowChartMerge">
-              <a:avLst/>
-            </a:prstGeom>
-            <a:solidFill>
-              <a:schemeClr val="accent2">
-                <a:lumMod val="60000"/>
-                <a:lumOff val="40000"/>
-              </a:schemeClr>
-            </a:solidFill>
-            <a:ln w="12700" cap="flat" cmpd="sng" algn="ctr">
-              <a:noFill/>
-              <a:prstDash val="solid"/>
-              <a:miter lim="800000"/>
-            </a:ln>
-            <a:effectLst/>
-            <a:scene3d>
-              <a:camera prst="orthographicFront"/>
-              <a:lightRig rig="threePt" dir="t"/>
-            </a:scene3d>
-            <a:sp3d>
-              <a:bevelT h="12700"/>
-            </a:sp3d>
-          </p:spPr>
-          <p:style>
-            <a:lnRef idx="2">
-              <a:schemeClr val="accent1">
-                <a:shade val="50000"/>
-              </a:schemeClr>
-            </a:lnRef>
-            <a:fillRef idx="1">
-              <a:schemeClr val="accent1"/>
-            </a:fillRef>
-            <a:effectRef idx="0">
-              <a:schemeClr val="accent1"/>
-            </a:effectRef>
-            <a:fontRef idx="minor">
-              <a:schemeClr val="lt1"/>
-            </a:fontRef>
-          </p:style>
-          <p:txBody>
-            <a:bodyPr rtlCol="0" anchor="ctr"/>
-            <a:lstStyle/>
-            <a:p>
-              <a:pPr algn="ctr"/>
-              <a:endParaRPr lang="en-GB" dirty="0"/>
-            </a:p>
-          </p:txBody>
-        </p:sp>
-        <p:cxnSp>
-          <p:nvCxnSpPr>
-            <p:cNvPr id="122" name="OTLSHAPE_M_7fbafc6fa86a407589cc1cd7680c9c9b_Connector1">
-              <a:extLst>
-                <a:ext uri="{FF2B5EF4-FFF2-40B4-BE49-F238E27FC236}">
-                  <a16:creationId xmlns:a16="http://schemas.microsoft.com/office/drawing/2014/main" id="{E19C4406-1AF0-4096-B8CC-F60CB3E6DF47}"/>
-                </a:ext>
-              </a:extLst>
-            </p:cNvPr>
-            <p:cNvCxnSpPr>
-              <a:cxnSpLocks/>
+              <a:endCxn id="21" idx="3"/>
             </p:cNvCxnSpPr>
             <p:nvPr>
               <p:custDataLst>
@@ -7675,32 +6936,27 @@
             </p:nvPr>
           </p:nvCxnSpPr>
           <p:spPr>
-            <a:xfrm>
-              <a:off x="2647387" y="2222631"/>
-              <a:ext cx="0" cy="954975"/>
+            <a:xfrm flipH="1">
+              <a:off x="2635048" y="2222631"/>
+              <a:ext cx="12342" cy="1537974"/>
             </a:xfrm>
             <a:prstGeom prst="line">
               <a:avLst/>
             </a:prstGeom>
-            <a:ln w="6350" cap="flat" cmpd="sng" algn="ctr">
-              <a:solidFill>
-                <a:schemeClr val="accent3"/>
-              </a:solidFill>
-              <a:prstDash val="solid"/>
-              <a:miter lim="800000"/>
+            <a:ln>
               <a:headEnd type="none" w="med" len="med"/>
               <a:tailEnd type="none" w="med" len="med"/>
             </a:ln>
           </p:spPr>
           <p:style>
-            <a:lnRef idx="1">
-              <a:schemeClr val="accent1"/>
+            <a:lnRef idx="3">
+              <a:schemeClr val="accent4"/>
             </a:lnRef>
             <a:fillRef idx="0">
-              <a:schemeClr val="accent1"/>
+              <a:schemeClr val="accent4"/>
             </a:fillRef>
-            <a:effectRef idx="0">
-              <a:schemeClr val="accent1"/>
+            <a:effectRef idx="2">
+              <a:schemeClr val="accent4"/>
             </a:effectRef>
             <a:fontRef idx="minor">
               <a:schemeClr val="tx1"/>
@@ -7708,6 +6964,74 @@
           </p:style>
         </p:cxnSp>
       </p:grpSp>
+      <p:sp>
+        <p:nvSpPr>
+          <p:cNvPr id="118" name="OTLSHAPE_M_b53f41a12be2432b8480fcf3d5b7fe90_Shape">
+            <a:extLst>
+              <a:ext uri="{FF2B5EF4-FFF2-40B4-BE49-F238E27FC236}">
+                <a16:creationId xmlns:a16="http://schemas.microsoft.com/office/drawing/2014/main" id="{3F04A891-7A6B-4813-8693-FE13C343DDE8}"/>
+              </a:ext>
+            </a:extLst>
+          </p:cNvPr>
+          <p:cNvSpPr/>
+          <p:nvPr>
+            <p:custDataLst>
+              <p:tags r:id="rId67"/>
+            </p:custDataLst>
+          </p:nvPr>
+        </p:nvSpPr>
+        <p:spPr>
+          <a:xfrm rot="16200000">
+            <a:off x="4789396" y="2194376"/>
+            <a:ext cx="165100" cy="165100"/>
+          </a:xfrm>
+          <a:prstGeom prst="flowChartMerge">
+            <a:avLst/>
+          </a:prstGeom>
+          <a:solidFill>
+            <a:schemeClr val="accent6">
+              <a:lumMod val="75000"/>
+            </a:schemeClr>
+          </a:solidFill>
+          <a:ln w="12700" cap="flat" cmpd="sng" algn="ctr">
+            <a:noFill/>
+            <a:prstDash val="solid"/>
+            <a:miter lim="800000"/>
+          </a:ln>
+          <a:effectLst/>
+          <a:scene3d>
+            <a:camera prst="orthographicFront"/>
+            <a:lightRig rig="threePt" dir="t"/>
+          </a:scene3d>
+          <a:sp3d>
+            <a:bevelT h="12700"/>
+          </a:sp3d>
+        </p:spPr>
+        <p:style>
+          <a:lnRef idx="2">
+            <a:schemeClr val="accent1">
+              <a:shade val="50000"/>
+            </a:schemeClr>
+          </a:lnRef>
+          <a:fillRef idx="1">
+            <a:schemeClr val="accent1"/>
+          </a:fillRef>
+          <a:effectRef idx="0">
+            <a:schemeClr val="accent1"/>
+          </a:effectRef>
+          <a:fontRef idx="minor">
+            <a:schemeClr val="lt1"/>
+          </a:fontRef>
+        </p:style>
+        <p:txBody>
+          <a:bodyPr rtlCol="0" anchor="ctr"/>
+          <a:lstStyle/>
+          <a:p>
+            <a:pPr algn="ctr"/>
+            <a:endParaRPr lang="en-GB" dirty="0"/>
+          </a:p>
+        </p:txBody>
+      </p:sp>
       <p:grpSp>
         <p:nvGrpSpPr>
           <p:cNvPr id="123" name="Gruppieren 122">
@@ -7849,6 +7173,426 @@
           </p:txBody>
         </p:sp>
       </p:grpSp>
+      <p:grpSp>
+        <p:nvGrpSpPr>
+          <p:cNvPr id="99" name="Gruppieren 98">
+            <a:extLst>
+              <a:ext uri="{FF2B5EF4-FFF2-40B4-BE49-F238E27FC236}">
+                <a16:creationId xmlns:a16="http://schemas.microsoft.com/office/drawing/2014/main" id="{19D44892-0E30-4505-9D7C-D073374E6191}"/>
+              </a:ext>
+            </a:extLst>
+          </p:cNvPr>
+          <p:cNvGrpSpPr/>
+          <p:nvPr/>
+        </p:nvGrpSpPr>
+        <p:grpSpPr>
+          <a:xfrm>
+            <a:off x="6849287" y="2197669"/>
+            <a:ext cx="165100" cy="971723"/>
+            <a:chOff x="2647387" y="2205883"/>
+            <a:chExt cx="165100" cy="971723"/>
+          </a:xfrm>
+        </p:grpSpPr>
+        <p:sp>
+          <p:nvSpPr>
+            <p:cNvPr id="100" name="OTLSHAPE_M_b53f41a12be2432b8480fcf3d5b7fe90_Shape">
+              <a:extLst>
+                <a:ext uri="{FF2B5EF4-FFF2-40B4-BE49-F238E27FC236}">
+                  <a16:creationId xmlns:a16="http://schemas.microsoft.com/office/drawing/2014/main" id="{049327D0-9C65-4770-BC8D-219B80138F6C}"/>
+                </a:ext>
+              </a:extLst>
+            </p:cNvPr>
+            <p:cNvSpPr/>
+            <p:nvPr>
+              <p:custDataLst>
+                <p:tags r:id="rId73"/>
+              </p:custDataLst>
+            </p:nvPr>
+          </p:nvSpPr>
+          <p:spPr>
+            <a:xfrm rot="16200000">
+              <a:off x="2647387" y="2205883"/>
+              <a:ext cx="165100" cy="165100"/>
+            </a:xfrm>
+            <a:prstGeom prst="flowChartMerge">
+              <a:avLst/>
+            </a:prstGeom>
+            <a:solidFill>
+              <a:schemeClr val="accent2">
+                <a:lumMod val="60000"/>
+                <a:lumOff val="40000"/>
+              </a:schemeClr>
+            </a:solidFill>
+            <a:ln w="12700" cap="flat" cmpd="sng" algn="ctr">
+              <a:noFill/>
+              <a:prstDash val="solid"/>
+              <a:miter lim="800000"/>
+            </a:ln>
+            <a:effectLst/>
+            <a:scene3d>
+              <a:camera prst="orthographicFront"/>
+              <a:lightRig rig="threePt" dir="t"/>
+            </a:scene3d>
+            <a:sp3d>
+              <a:bevelT h="12700"/>
+            </a:sp3d>
+          </p:spPr>
+          <p:style>
+            <a:lnRef idx="2">
+              <a:schemeClr val="accent1">
+                <a:shade val="50000"/>
+              </a:schemeClr>
+            </a:lnRef>
+            <a:fillRef idx="1">
+              <a:schemeClr val="accent1"/>
+            </a:fillRef>
+            <a:effectRef idx="0">
+              <a:schemeClr val="accent1"/>
+            </a:effectRef>
+            <a:fontRef idx="minor">
+              <a:schemeClr val="lt1"/>
+            </a:fontRef>
+          </p:style>
+          <p:txBody>
+            <a:bodyPr rtlCol="0" anchor="ctr"/>
+            <a:lstStyle/>
+            <a:p>
+              <a:pPr algn="ctr"/>
+              <a:endParaRPr lang="en-GB" dirty="0"/>
+            </a:p>
+          </p:txBody>
+        </p:sp>
+        <p:cxnSp>
+          <p:nvCxnSpPr>
+            <p:cNvPr id="102" name="OTLSHAPE_M_7fbafc6fa86a407589cc1cd7680c9c9b_Connector1">
+              <a:extLst>
+                <a:ext uri="{FF2B5EF4-FFF2-40B4-BE49-F238E27FC236}">
+                  <a16:creationId xmlns:a16="http://schemas.microsoft.com/office/drawing/2014/main" id="{E8A7730F-318B-4CE9-8942-B02C9CC96C15}"/>
+                </a:ext>
+              </a:extLst>
+            </p:cNvPr>
+            <p:cNvCxnSpPr>
+              <a:cxnSpLocks/>
+            </p:cNvCxnSpPr>
+            <p:nvPr>
+              <p:custDataLst>
+                <p:tags r:id="rId74"/>
+              </p:custDataLst>
+            </p:nvPr>
+          </p:nvCxnSpPr>
+          <p:spPr>
+            <a:xfrm>
+              <a:off x="2647387" y="2222631"/>
+              <a:ext cx="0" cy="954975"/>
+            </a:xfrm>
+            <a:prstGeom prst="line">
+              <a:avLst/>
+            </a:prstGeom>
+            <a:ln w="6350" cap="flat" cmpd="sng" algn="ctr">
+              <a:solidFill>
+                <a:schemeClr val="accent3"/>
+              </a:solidFill>
+              <a:prstDash val="solid"/>
+              <a:miter lim="800000"/>
+              <a:headEnd type="none" w="med" len="med"/>
+              <a:tailEnd type="none" w="med" len="med"/>
+            </a:ln>
+          </p:spPr>
+          <p:style>
+            <a:lnRef idx="1">
+              <a:schemeClr val="accent1"/>
+            </a:lnRef>
+            <a:fillRef idx="0">
+              <a:schemeClr val="accent1"/>
+            </a:fillRef>
+            <a:effectRef idx="0">
+              <a:schemeClr val="accent1"/>
+            </a:effectRef>
+            <a:fontRef idx="minor">
+              <a:schemeClr val="tx1"/>
+            </a:fontRef>
+          </p:style>
+        </p:cxnSp>
+      </p:grpSp>
+      <p:grpSp>
+        <p:nvGrpSpPr>
+          <p:cNvPr id="108" name="Gruppieren 107">
+            <a:extLst>
+              <a:ext uri="{FF2B5EF4-FFF2-40B4-BE49-F238E27FC236}">
+                <a16:creationId xmlns:a16="http://schemas.microsoft.com/office/drawing/2014/main" id="{2B92A57A-36F8-44B9-BD91-04998C97BCA1}"/>
+              </a:ext>
+            </a:extLst>
+          </p:cNvPr>
+          <p:cNvGrpSpPr/>
+          <p:nvPr/>
+        </p:nvGrpSpPr>
+        <p:grpSpPr>
+          <a:xfrm>
+            <a:off x="8938469" y="2190084"/>
+            <a:ext cx="171334" cy="968395"/>
+            <a:chOff x="4702880" y="2205882"/>
+            <a:chExt cx="171334" cy="968395"/>
+          </a:xfrm>
+        </p:grpSpPr>
+        <p:cxnSp>
+          <p:nvCxnSpPr>
+            <p:cNvPr id="130" name="OTLSHAPE_M_7fbafc6fa86a407589cc1cd7680c9c9b_Connector1">
+              <a:extLst>
+                <a:ext uri="{FF2B5EF4-FFF2-40B4-BE49-F238E27FC236}">
+                  <a16:creationId xmlns:a16="http://schemas.microsoft.com/office/drawing/2014/main" id="{CD6052B7-2684-4A43-93FD-BBEA73760FAE}"/>
+                </a:ext>
+              </a:extLst>
+            </p:cNvPr>
+            <p:cNvCxnSpPr>
+              <a:cxnSpLocks/>
+            </p:cNvCxnSpPr>
+            <p:nvPr>
+              <p:custDataLst>
+                <p:tags r:id="rId71"/>
+              </p:custDataLst>
+            </p:nvPr>
+          </p:nvCxnSpPr>
+          <p:spPr>
+            <a:xfrm flipH="1">
+              <a:off x="4874213" y="2210864"/>
+              <a:ext cx="1" cy="963413"/>
+            </a:xfrm>
+            <a:prstGeom prst="line">
+              <a:avLst/>
+            </a:prstGeom>
+            <a:ln w="6350" cap="flat" cmpd="sng" algn="ctr">
+              <a:solidFill>
+                <a:schemeClr val="accent3"/>
+              </a:solidFill>
+              <a:prstDash val="solid"/>
+              <a:miter lim="800000"/>
+              <a:headEnd type="none" w="med" len="med"/>
+              <a:tailEnd type="none" w="med" len="med"/>
+            </a:ln>
+          </p:spPr>
+          <p:style>
+            <a:lnRef idx="1">
+              <a:schemeClr val="accent1"/>
+            </a:lnRef>
+            <a:fillRef idx="0">
+              <a:schemeClr val="accent1"/>
+            </a:fillRef>
+            <a:effectRef idx="0">
+              <a:schemeClr val="accent1"/>
+            </a:effectRef>
+            <a:fontRef idx="minor">
+              <a:schemeClr val="tx1"/>
+            </a:fontRef>
+          </p:style>
+        </p:cxnSp>
+        <p:sp>
+          <p:nvSpPr>
+            <p:cNvPr id="131" name="OTLSHAPE_M_b53f41a12be2432b8480fcf3d5b7fe90_Shape">
+              <a:extLst>
+                <a:ext uri="{FF2B5EF4-FFF2-40B4-BE49-F238E27FC236}">
+                  <a16:creationId xmlns:a16="http://schemas.microsoft.com/office/drawing/2014/main" id="{DC80FC60-EF4D-4647-8AEC-E9C3EDE204B7}"/>
+                </a:ext>
+              </a:extLst>
+            </p:cNvPr>
+            <p:cNvSpPr/>
+            <p:nvPr>
+              <p:custDataLst>
+                <p:tags r:id="rId72"/>
+              </p:custDataLst>
+            </p:nvPr>
+          </p:nvSpPr>
+          <p:spPr>
+            <a:xfrm rot="5400000">
+              <a:off x="4702880" y="2205882"/>
+              <a:ext cx="165100" cy="165100"/>
+            </a:xfrm>
+            <a:prstGeom prst="flowChartMerge">
+              <a:avLst/>
+            </a:prstGeom>
+            <a:solidFill>
+              <a:schemeClr val="accent2">
+                <a:lumMod val="60000"/>
+                <a:lumOff val="40000"/>
+              </a:schemeClr>
+            </a:solidFill>
+            <a:ln w="12700" cap="flat" cmpd="sng" algn="ctr">
+              <a:noFill/>
+              <a:prstDash val="solid"/>
+              <a:miter lim="800000"/>
+            </a:ln>
+            <a:effectLst/>
+            <a:scene3d>
+              <a:camera prst="orthographicFront"/>
+              <a:lightRig rig="threePt" dir="t"/>
+            </a:scene3d>
+            <a:sp3d>
+              <a:bevelT h="12700"/>
+            </a:sp3d>
+          </p:spPr>
+          <p:style>
+            <a:lnRef idx="2">
+              <a:schemeClr val="accent1">
+                <a:shade val="50000"/>
+              </a:schemeClr>
+            </a:lnRef>
+            <a:fillRef idx="1">
+              <a:schemeClr val="accent1"/>
+            </a:fillRef>
+            <a:effectRef idx="0">
+              <a:schemeClr val="accent1"/>
+            </a:effectRef>
+            <a:fontRef idx="minor">
+              <a:schemeClr val="lt1"/>
+            </a:fontRef>
+          </p:style>
+          <p:txBody>
+            <a:bodyPr rtlCol="0" anchor="ctr"/>
+            <a:lstStyle/>
+            <a:p>
+              <a:pPr algn="ctr"/>
+              <a:endParaRPr lang="en-GB" dirty="0"/>
+            </a:p>
+          </p:txBody>
+        </p:sp>
+      </p:grpSp>
+      <p:cxnSp>
+        <p:nvCxnSpPr>
+          <p:cNvPr id="133" name="OTLSHAPE_M_7fbafc6fa86a407589cc1cd7680c9c9b_Connector1">
+            <a:extLst>
+              <a:ext uri="{FF2B5EF4-FFF2-40B4-BE49-F238E27FC236}">
+                <a16:creationId xmlns:a16="http://schemas.microsoft.com/office/drawing/2014/main" id="{F8AFCE9E-FEBB-4FD2-8133-7DCB9D7694F4}"/>
+              </a:ext>
+            </a:extLst>
+          </p:cNvPr>
+          <p:cNvCxnSpPr>
+            <a:cxnSpLocks/>
+          </p:cNvCxnSpPr>
+          <p:nvPr>
+            <p:custDataLst>
+              <p:tags r:id="rId68"/>
+            </p:custDataLst>
+          </p:nvPr>
+        </p:nvCxnSpPr>
+        <p:spPr>
+          <a:xfrm flipH="1">
+            <a:off x="2721252" y="2217620"/>
+            <a:ext cx="12342" cy="1537974"/>
+          </a:xfrm>
+          <a:prstGeom prst="line">
+            <a:avLst/>
+          </a:prstGeom>
+          <a:ln>
+            <a:headEnd type="none" w="med" len="med"/>
+            <a:tailEnd type="none" w="med" len="med"/>
+          </a:ln>
+        </p:spPr>
+        <p:style>
+          <a:lnRef idx="3">
+            <a:schemeClr val="accent5"/>
+          </a:lnRef>
+          <a:fillRef idx="0">
+            <a:schemeClr val="accent5"/>
+          </a:fillRef>
+          <a:effectRef idx="2">
+            <a:schemeClr val="accent5"/>
+          </a:effectRef>
+          <a:fontRef idx="minor">
+            <a:schemeClr val="tx1"/>
+          </a:fontRef>
+        </p:style>
+      </p:cxnSp>
+      <p:cxnSp>
+        <p:nvCxnSpPr>
+          <p:cNvPr id="134" name="OTLSHAPE_T_2d967ba645a54295a3086a8e2442b8bd_LeftVerticalConnector1">
+            <a:extLst>
+              <a:ext uri="{FF2B5EF4-FFF2-40B4-BE49-F238E27FC236}">
+                <a16:creationId xmlns:a16="http://schemas.microsoft.com/office/drawing/2014/main" id="{466EFF7B-A011-4BCA-A52E-909AA9EA7A9C}"/>
+              </a:ext>
+            </a:extLst>
+          </p:cNvPr>
+          <p:cNvCxnSpPr>
+            <a:cxnSpLocks/>
+          </p:cNvCxnSpPr>
+          <p:nvPr>
+            <p:custDataLst>
+              <p:tags r:id="rId69"/>
+            </p:custDataLst>
+          </p:nvPr>
+        </p:nvCxnSpPr>
+        <p:spPr>
+          <a:xfrm flipV="1">
+            <a:off x="4283805" y="2587620"/>
+            <a:ext cx="6233" cy="1160018"/>
+          </a:xfrm>
+          <a:prstGeom prst="line">
+            <a:avLst/>
+          </a:prstGeom>
+          <a:ln>
+            <a:headEnd type="none" w="med" len="med"/>
+            <a:tailEnd type="none" w="med" len="med"/>
+          </a:ln>
+        </p:spPr>
+        <p:style>
+          <a:lnRef idx="3">
+            <a:schemeClr val="accent5"/>
+          </a:lnRef>
+          <a:fillRef idx="0">
+            <a:schemeClr val="accent5"/>
+          </a:fillRef>
+          <a:effectRef idx="2">
+            <a:schemeClr val="accent5"/>
+          </a:effectRef>
+          <a:fontRef idx="minor">
+            <a:schemeClr val="tx1"/>
+          </a:fontRef>
+        </p:style>
+      </p:cxnSp>
+      <p:cxnSp>
+        <p:nvCxnSpPr>
+          <p:cNvPr id="136" name="OTLSHAPE_M_7fbafc6fa86a407589cc1cd7680c9c9b_Connector1">
+            <a:extLst>
+              <a:ext uri="{FF2B5EF4-FFF2-40B4-BE49-F238E27FC236}">
+                <a16:creationId xmlns:a16="http://schemas.microsoft.com/office/drawing/2014/main" id="{280E0B80-370D-414A-BF64-955E54F58F55}"/>
+              </a:ext>
+            </a:extLst>
+          </p:cNvPr>
+          <p:cNvCxnSpPr>
+            <a:cxnSpLocks/>
+          </p:cNvCxnSpPr>
+          <p:nvPr>
+            <p:custDataLst>
+              <p:tags r:id="rId70"/>
+            </p:custDataLst>
+          </p:nvPr>
+        </p:nvCxnSpPr>
+        <p:spPr>
+          <a:xfrm flipH="1">
+            <a:off x="4786593" y="2210312"/>
+            <a:ext cx="12342" cy="1537974"/>
+          </a:xfrm>
+          <a:prstGeom prst="line">
+            <a:avLst/>
+          </a:prstGeom>
+          <a:ln>
+            <a:headEnd type="none" w="med" len="med"/>
+            <a:tailEnd type="none" w="med" len="med"/>
+          </a:ln>
+        </p:spPr>
+        <p:style>
+          <a:lnRef idx="3">
+            <a:schemeClr val="accent6"/>
+          </a:lnRef>
+          <a:fillRef idx="0">
+            <a:schemeClr val="accent6"/>
+          </a:fillRef>
+          <a:effectRef idx="2">
+            <a:schemeClr val="accent6"/>
+          </a:effectRef>
+          <a:fontRef idx="minor">
+            <a:schemeClr val="tx1"/>
+          </a:fontRef>
+        </p:style>
+      </p:cxnSp>
     </p:spTree>
     <p:custDataLst>
       <p:tags r:id="rId1"/>
@@ -7909,12 +7653,6 @@
 </file>
 
 <file path=ppt/tags/tag16.xml><?xml version="1.0" encoding="utf-8"?>
-<p:tagLst xmlns:a="http://schemas.openxmlformats.org/drawingml/2006/main" xmlns:r="http://schemas.openxmlformats.org/officeDocument/2006/relationships" xmlns:p="http://schemas.openxmlformats.org/presentationml/2006/main">
-  <p:tag name="OTLMARKERSHAPE" val="OTL"/>
-</p:tagLst>
-</file>
-
-<file path=ppt/tags/tag17.xml><?xml version="1.0" encoding="utf-8"?>
 <p:tagLst xmlns:a="http://schemas.openxmlformats.org/drawingml/2006/main" xmlns:r="http://schemas.openxmlformats.org/officeDocument/2006/relationships" xmlns:p="http://schemas.openxmlformats.org/presentationml/2006/main">
   <p:tag name="OTLDATEFORMATSTRING" val="MMM d"/>
   <p:tag name="OTLDATEFORMATSEPARATOR" val="/"/>
@@ -7935,6 +7673,12 @@
 </p:tagLst>
 </file>
 
+<file path=ppt/tags/tag17.xml><?xml version="1.0" encoding="utf-8"?>
+<p:tagLst xmlns:a="http://schemas.openxmlformats.org/drawingml/2006/main" xmlns:r="http://schemas.openxmlformats.org/officeDocument/2006/relationships" xmlns:p="http://schemas.openxmlformats.org/presentationml/2006/main">
+  <p:tag name="OTLMARKERSHAPE" val="OTL"/>
+</p:tagLst>
+</file>
+
 <file path=ppt/tags/tag18.xml><?xml version="1.0" encoding="utf-8"?>
 <p:tagLst xmlns:a="http://schemas.openxmlformats.org/drawingml/2006/main" xmlns:r="http://schemas.openxmlformats.org/officeDocument/2006/relationships" xmlns:p="http://schemas.openxmlformats.org/presentationml/2006/main">
   <p:tag name="OTLMARKERSHAPE" val="OTL"/>
@@ -8050,12 +7794,6 @@
 </file>
 
 <file path=ppt/tags/tag35.xml><?xml version="1.0" encoding="utf-8"?>
-<p:tagLst xmlns:a="http://schemas.openxmlformats.org/drawingml/2006/main" xmlns:r="http://schemas.openxmlformats.org/officeDocument/2006/relationships" xmlns:p="http://schemas.openxmlformats.org/presentationml/2006/main">
-  <p:tag name="OTLMARKERSHAPE" val="OTL"/>
-</p:tagLst>
-</file>
-
-<file path=ppt/tags/tag36.xml><?xml version="1.0" encoding="utf-8"?>
 <p:tagLst xmlns:a="http://schemas.openxmlformats.org/drawingml/2006/main" xmlns:r="http://schemas.openxmlformats.org/officeDocument/2006/relationships" xmlns:p="http://schemas.openxmlformats.org/presentationml/2006/main">
   <p:tag name="OTLDATEFORMATSTRING" val="MMM d, yyyy"/>
   <p:tag name="OTLDATEFORMATSEPARATOR" val="/"/>
@@ -8075,7 +7813,209 @@
 </p:tagLst>
 </file>
 
+<file path=ppt/tags/tag36.xml><?xml version="1.0" encoding="utf-8"?>
+<p:tagLst xmlns:a="http://schemas.openxmlformats.org/drawingml/2006/main" xmlns:r="http://schemas.openxmlformats.org/officeDocument/2006/relationships" xmlns:p="http://schemas.openxmlformats.org/presentationml/2006/main">
+  <p:tag name="OTLDATEFORMATSTRING" val="MMM d, yyyy"/>
+  <p:tag name="OTLDATEFORMATSEPARATOR" val="/"/>
+  <p:tag name="OTLDATEFORMATUSEUS" val="True"/>
+  <p:tag name="OTLDATEFORMATDATEISVISIBLE" val="True"/>
+  <p:tag name="OTLDATEFORMATTIMEISVISIBLE" val="False"/>
+  <p:tag name="OTLDATEFORMATAMPMDESIGNATOR" val="AmPmLowerCase"/>
+  <p:tag name="OTLDATEFORMATHOURDIGITS" val="H"/>
+  <p:tag name="OTLDATEFORMATTRIM00MINUTES" val="False"/>
+  <p:tag name="OTLWEEKNUMBERINGFORMAT" val="WNFormat1"/>
+  <p:tag name="OTLWEEKNUMBERINGISVISIBLE" val="False"/>
+  <p:tag name="OTLMTITLE" val="Milestone 8"/>
+  <p:tag name="OTLDATE" val="2023-04-21T23:59:00.0000000"/>
+  <p:tag name="OTLPOSITIONONTASK" val="None"/>
+  <p:tag name="OTLRELATEDTASKID" val="00000000-0000-0000-0000-000000000000"/>
+  <p:tag name="OTLMARKERSHAPE" val="OTL"/>
+</p:tagLst>
+</file>
+
 <file path=ppt/tags/tag37.xml><?xml version="1.0" encoding="utf-8"?>
+<p:tagLst xmlns:a="http://schemas.openxmlformats.org/drawingml/2006/main" xmlns:r="http://schemas.openxmlformats.org/officeDocument/2006/relationships" xmlns:p="http://schemas.openxmlformats.org/presentationml/2006/main">
+  <p:tag name="OTLMARKERSHAPE" val="OTL"/>
+</p:tagLst>
+</file>
+
+<file path=ppt/tags/tag38.xml><?xml version="1.0" encoding="utf-8"?>
+<p:tagLst xmlns:a="http://schemas.openxmlformats.org/drawingml/2006/main" xmlns:r="http://schemas.openxmlformats.org/officeDocument/2006/relationships" xmlns:p="http://schemas.openxmlformats.org/presentationml/2006/main">
+  <p:tag name="OTLMARKERSHAPE" val="OTL"/>
+</p:tagLst>
+</file>
+
+<file path=ppt/tags/tag39.xml><?xml version="1.0" encoding="utf-8"?>
+<p:tagLst xmlns:a="http://schemas.openxmlformats.org/drawingml/2006/main" xmlns:r="http://schemas.openxmlformats.org/officeDocument/2006/relationships" xmlns:p="http://schemas.openxmlformats.org/presentationml/2006/main">
+  <p:tag name="OTLMARKERSHAPE" val="OTL"/>
+</p:tagLst>
+</file>
+
+<file path=ppt/tags/tag4.xml><?xml version="1.0" encoding="utf-8"?>
+<p:tagLst xmlns:a="http://schemas.openxmlformats.org/drawingml/2006/main" xmlns:r="http://schemas.openxmlformats.org/officeDocument/2006/relationships" xmlns:p="http://schemas.openxmlformats.org/presentationml/2006/main">
+  <p:tag name="OTLMARKERSHAPE" val="OTL"/>
+</p:tagLst>
+</file>
+
+<file path=ppt/tags/tag40.xml><?xml version="1.0" encoding="utf-8"?>
+<p:tagLst xmlns:a="http://schemas.openxmlformats.org/drawingml/2006/main" xmlns:r="http://schemas.openxmlformats.org/officeDocument/2006/relationships" xmlns:p="http://schemas.openxmlformats.org/presentationml/2006/main">
+  <p:tag name="OTLMARKERSHAPE" val="OTL"/>
+</p:tagLst>
+</file>
+
+<file path=ppt/tags/tag41.xml><?xml version="1.0" encoding="utf-8"?>
+<p:tagLst xmlns:a="http://schemas.openxmlformats.org/drawingml/2006/main" xmlns:r="http://schemas.openxmlformats.org/officeDocument/2006/relationships" xmlns:p="http://schemas.openxmlformats.org/presentationml/2006/main">
+  <p:tag name="OTLMARKERSHAPE" val="OTL"/>
+</p:tagLst>
+</file>
+
+<file path=ppt/tags/tag42.xml><?xml version="1.0" encoding="utf-8"?>
+<p:tagLst xmlns:a="http://schemas.openxmlformats.org/drawingml/2006/main" xmlns:r="http://schemas.openxmlformats.org/officeDocument/2006/relationships" xmlns:p="http://schemas.openxmlformats.org/presentationml/2006/main">
+  <p:tag name="OTLDATEFORMATSTRING" val="MMM d, yyyy"/>
+  <p:tag name="OTLDATEFORMATSEPARATOR" val="/"/>
+  <p:tag name="OTLDATEFORMATUSEUS" val="True"/>
+  <p:tag name="OTLDATEFORMATDATEISVISIBLE" val="True"/>
+  <p:tag name="OTLDATEFORMATTIMEISVISIBLE" val="False"/>
+  <p:tag name="OTLDATEFORMATAMPMDESIGNATOR" val="AmPmLowerCase"/>
+  <p:tag name="OTLDATEFORMATHOURDIGITS" val="H"/>
+  <p:tag name="OTLDATEFORMATTRIM00MINUTES" val="False"/>
+  <p:tag name="OTLWEEKNUMBERINGFORMAT" val="WNFormat1"/>
+  <p:tag name="OTLWEEKNUMBERINGISVISIBLE" val="False"/>
+  <p:tag name="OTLMTITLE" val="Milestone 6"/>
+  <p:tag name="OTLDATE" val="2022-12-30T23:59:00.0000000"/>
+  <p:tag name="OTLPOSITIONONTASK" val="None"/>
+  <p:tag name="OTLRELATEDTASKID" val="00000000-0000-0000-0000-000000000000"/>
+  <p:tag name="OTLMARKERSHAPE" val="OTL"/>
+</p:tagLst>
+</file>
+
+<file path=ppt/tags/tag43.xml><?xml version="1.0" encoding="utf-8"?>
+<p:tagLst xmlns:a="http://schemas.openxmlformats.org/drawingml/2006/main" xmlns:r="http://schemas.openxmlformats.org/officeDocument/2006/relationships" xmlns:p="http://schemas.openxmlformats.org/presentationml/2006/main">
+  <p:tag name="OTLDATEFORMATSTRING" val="MMM d, yyyy"/>
+  <p:tag name="OTLDATEFORMATSEPARATOR" val="/"/>
+  <p:tag name="OTLDATEFORMATUSEUS" val="True"/>
+  <p:tag name="OTLDATEFORMATDATEISVISIBLE" val="True"/>
+  <p:tag name="OTLDATEFORMATTIMEISVISIBLE" val="False"/>
+  <p:tag name="OTLDATEFORMATAMPMDESIGNATOR" val="AmPmLowerCase"/>
+  <p:tag name="OTLDATEFORMATHOURDIGITS" val="H"/>
+  <p:tag name="OTLDATEFORMATTRIM00MINUTES" val="False"/>
+  <p:tag name="OTLWEEKNUMBERINGFORMAT" val="WNFormat1"/>
+  <p:tag name="OTLWEEKNUMBERINGISVISIBLE" val="False"/>
+  <p:tag name="OTLMTITLE" val="Milestone 8"/>
+  <p:tag name="OTLDATE" val="2023-04-21T23:59:00.0000000"/>
+  <p:tag name="OTLPOSITIONONTASK" val="None"/>
+  <p:tag name="OTLRELATEDTASKID" val="00000000-0000-0000-0000-000000000000"/>
+  <p:tag name="OTLMARKERSHAPE" val="OTL"/>
+</p:tagLst>
+</file>
+
+<file path=ppt/tags/tag44.xml><?xml version="1.0" encoding="utf-8"?>
+<p:tagLst xmlns:a="http://schemas.openxmlformats.org/drawingml/2006/main" xmlns:r="http://schemas.openxmlformats.org/officeDocument/2006/relationships" xmlns:p="http://schemas.openxmlformats.org/presentationml/2006/main">
+  <p:tag name="OTLDATEFORMATSTRING" val="MMM d, yyyy"/>
+  <p:tag name="OTLDATEFORMATSEPARATOR" val="/"/>
+  <p:tag name="OTLDATEFORMATUSEUS" val="True"/>
+  <p:tag name="OTLDATEFORMATDATEISVISIBLE" val="True"/>
+  <p:tag name="OTLDATEFORMATTIMEISVISIBLE" val="False"/>
+  <p:tag name="OTLDATEFORMATAMPMDESIGNATOR" val="AmPmLowerCase"/>
+  <p:tag name="OTLDATEFORMATHOURDIGITS" val="H"/>
+  <p:tag name="OTLDATEFORMATTRIM00MINUTES" val="False"/>
+  <p:tag name="OTLWEEKNUMBERINGFORMAT" val="WNFormat1"/>
+  <p:tag name="OTLWEEKNUMBERINGISVISIBLE" val="False"/>
+  <p:tag name="OTLMTITLE" val="Milestone 8"/>
+  <p:tag name="OTLDATE" val="2023-04-21T23:59:00.0000000"/>
+  <p:tag name="OTLPOSITIONONTASK" val="None"/>
+  <p:tag name="OTLRELATEDTASKID" val="00000000-0000-0000-0000-000000000000"/>
+  <p:tag name="OTLMARKERSHAPE" val="OTL"/>
+</p:tagLst>
+</file>
+
+<file path=ppt/tags/tag45.xml><?xml version="1.0" encoding="utf-8"?>
+<p:tagLst xmlns:a="http://schemas.openxmlformats.org/drawingml/2006/main" xmlns:r="http://schemas.openxmlformats.org/officeDocument/2006/relationships" xmlns:p="http://schemas.openxmlformats.org/presentationml/2006/main">
+  <p:tag name="OTLMARKERSHAPE" val="OTL"/>
+</p:tagLst>
+</file>
+
+<file path=ppt/tags/tag46.xml><?xml version="1.0" encoding="utf-8"?>
+<p:tagLst xmlns:a="http://schemas.openxmlformats.org/drawingml/2006/main" xmlns:r="http://schemas.openxmlformats.org/officeDocument/2006/relationships" xmlns:p="http://schemas.openxmlformats.org/presentationml/2006/main">
+  <p:tag name="OTLMARKERSHAPE" val="OTL"/>
+</p:tagLst>
+</file>
+
+<file path=ppt/tags/tag47.xml><?xml version="1.0" encoding="utf-8"?>
+<p:tagLst xmlns:a="http://schemas.openxmlformats.org/drawingml/2006/main" xmlns:r="http://schemas.openxmlformats.org/officeDocument/2006/relationships" xmlns:p="http://schemas.openxmlformats.org/presentationml/2006/main">
+  <p:tag name="OTLMARKERSHAPE" val="OTL"/>
+</p:tagLst>
+</file>
+
+<file path=ppt/tags/tag48.xml><?xml version="1.0" encoding="utf-8"?>
+<p:tagLst xmlns:a="http://schemas.openxmlformats.org/drawingml/2006/main" xmlns:r="http://schemas.openxmlformats.org/officeDocument/2006/relationships" xmlns:p="http://schemas.openxmlformats.org/presentationml/2006/main">
+  <p:tag name="OTLMARKERSHAPE" val="OTL"/>
+</p:tagLst>
+</file>
+
+<file path=ppt/tags/tag49.xml><?xml version="1.0" encoding="utf-8"?>
+<p:tagLst xmlns:a="http://schemas.openxmlformats.org/drawingml/2006/main" xmlns:r="http://schemas.openxmlformats.org/officeDocument/2006/relationships" xmlns:p="http://schemas.openxmlformats.org/presentationml/2006/main">
+  <p:tag name="OTLMARKERSHAPE" val="OTL"/>
+</p:tagLst>
+</file>
+
+<file path=ppt/tags/tag5.xml><?xml version="1.0" encoding="utf-8"?>
+<p:tagLst xmlns:a="http://schemas.openxmlformats.org/drawingml/2006/main" xmlns:r="http://schemas.openxmlformats.org/officeDocument/2006/relationships" xmlns:p="http://schemas.openxmlformats.org/presentationml/2006/main">
+  <p:tag name="OTLMARKERSHAPE" val="OTL"/>
+</p:tagLst>
+</file>
+
+<file path=ppt/tags/tag50.xml><?xml version="1.0" encoding="utf-8"?>
+<p:tagLst xmlns:a="http://schemas.openxmlformats.org/drawingml/2006/main" xmlns:r="http://schemas.openxmlformats.org/officeDocument/2006/relationships" xmlns:p="http://schemas.openxmlformats.org/presentationml/2006/main">
+  <p:tag name="OTLMARKERSHAPE" val="OTL"/>
+</p:tagLst>
+</file>
+
+<file path=ppt/tags/tag51.xml><?xml version="1.0" encoding="utf-8"?>
+<p:tagLst xmlns:a="http://schemas.openxmlformats.org/drawingml/2006/main" xmlns:r="http://schemas.openxmlformats.org/officeDocument/2006/relationships" xmlns:p="http://schemas.openxmlformats.org/presentationml/2006/main">
+  <p:tag name="OTLMARKERSHAPE" val="OTL"/>
+</p:tagLst>
+</file>
+
+<file path=ppt/tags/tag52.xml><?xml version="1.0" encoding="utf-8"?>
+<p:tagLst xmlns:a="http://schemas.openxmlformats.org/drawingml/2006/main" xmlns:r="http://schemas.openxmlformats.org/officeDocument/2006/relationships" xmlns:p="http://schemas.openxmlformats.org/presentationml/2006/main">
+  <p:tag name="OTLMARKERSHAPE" val="OTL"/>
+</p:tagLst>
+</file>
+
+<file path=ppt/tags/tag53.xml><?xml version="1.0" encoding="utf-8"?>
+<p:tagLst xmlns:a="http://schemas.openxmlformats.org/drawingml/2006/main" xmlns:r="http://schemas.openxmlformats.org/officeDocument/2006/relationships" xmlns:p="http://schemas.openxmlformats.org/presentationml/2006/main">
+  <p:tag name="OTLDATEFORMATSTRING" val="MMM d, yyyy"/>
+  <p:tag name="OTLDATEFORMATSEPARATOR" val="/"/>
+  <p:tag name="OTLDATEFORMATUSEUS" val="True"/>
+  <p:tag name="OTLDATEFORMATDATEISVISIBLE" val="True"/>
+  <p:tag name="OTLDATEFORMATTIMEISVISIBLE" val="False"/>
+  <p:tag name="OTLDATEFORMATAMPMDESIGNATOR" val="AmPmLowerCase"/>
+  <p:tag name="OTLDATEFORMATHOURDIGITS" val="H"/>
+  <p:tag name="OTLDATEFORMATTRIM00MINUTES" val="False"/>
+  <p:tag name="OTLWEEKNUMBERINGFORMAT" val="WNFormat1"/>
+  <p:tag name="OTLWEEKNUMBERINGISVISIBLE" val="False"/>
+  <p:tag name="OTLMTITLE" val="Milestone 2"/>
+  <p:tag name="OTLDATE" val="2022-03-01T23:59:00.0000000"/>
+  <p:tag name="OTLPOSITIONONTASK" val="None"/>
+  <p:tag name="OTLRELATEDTASKID" val="00000000-0000-0000-0000-000000000000"/>
+  <p:tag name="OTLMARKERSHAPE" val="OTL"/>
+</p:tagLst>
+</file>
+
+<file path=ppt/tags/tag54.xml><?xml version="1.0" encoding="utf-8"?>
+<p:tagLst xmlns:a="http://schemas.openxmlformats.org/drawingml/2006/main" xmlns:r="http://schemas.openxmlformats.org/officeDocument/2006/relationships" xmlns:p="http://schemas.openxmlformats.org/presentationml/2006/main">
+  <p:tag name="OTLMARKERSHAPE" val="OTL"/>
+</p:tagLst>
+</file>
+
+<file path=ppt/tags/tag55.xml><?xml version="1.0" encoding="utf-8"?>
+<p:tagLst xmlns:a="http://schemas.openxmlformats.org/drawingml/2006/main" xmlns:r="http://schemas.openxmlformats.org/officeDocument/2006/relationships" xmlns:p="http://schemas.openxmlformats.org/presentationml/2006/main">
+  <p:tag name="OTLMARKERSHAPE" val="OTL"/>
+</p:tagLst>
+</file>
+
+<file path=ppt/tags/tag56.xml><?xml version="1.0" encoding="utf-8"?>
 <p:tagLst xmlns:a="http://schemas.openxmlformats.org/drawingml/2006/main" xmlns:r="http://schemas.openxmlformats.org/officeDocument/2006/relationships" xmlns:p="http://schemas.openxmlformats.org/presentationml/2006/main">
   <p:tag name="OTLDATEFORMATSTRING" val="MMM d, yyyy"/>
   <p:tag name="OTLDATEFORMATSEPARATOR" val="/"/>
@@ -8095,7 +8035,7 @@
 </p:tagLst>
 </file>
 
-<file path=ppt/tags/tag38.xml><?xml version="1.0" encoding="utf-8"?>
+<file path=ppt/tags/tag57.xml><?xml version="1.0" encoding="utf-8"?>
 <p:tagLst xmlns:a="http://schemas.openxmlformats.org/drawingml/2006/main" xmlns:r="http://schemas.openxmlformats.org/officeDocument/2006/relationships" xmlns:p="http://schemas.openxmlformats.org/presentationml/2006/main">
   <p:tag name="OTLDATEFORMATSTRING" val="MMM d, yyyy"/>
   <p:tag name="OTLDATEFORMATSEPARATOR" val="/"/>
@@ -8107,51 +8047,36 @@
   <p:tag name="OTLDATEFORMATTRIM00MINUTES" val="False"/>
   <p:tag name="OTLWEEKNUMBERINGFORMAT" val="WNFormat1"/>
   <p:tag name="OTLWEEKNUMBERINGISVISIBLE" val="False"/>
-  <p:tag name="OTLMTITLE" val="Milestone 8"/>
-  <p:tag name="OTLDATE" val="2023-04-21T23:59:00.0000000"/>
+  <p:tag name="OTLMTITLE" val="Milestone 4"/>
+  <p:tag name="OTLDATE" val="2022-09-27T23:59:00.0000000"/>
   <p:tag name="OTLPOSITIONONTASK" val="None"/>
   <p:tag name="OTLRELATEDTASKID" val="00000000-0000-0000-0000-000000000000"/>
   <p:tag name="OTLMARKERSHAPE" val="OTL"/>
 </p:tagLst>
 </file>
 
-<file path=ppt/tags/tag39.xml><?xml version="1.0" encoding="utf-8"?>
+<file path=ppt/tags/tag58.xml><?xml version="1.0" encoding="utf-8"?>
 <p:tagLst xmlns:a="http://schemas.openxmlformats.org/drawingml/2006/main" xmlns:r="http://schemas.openxmlformats.org/officeDocument/2006/relationships" xmlns:p="http://schemas.openxmlformats.org/presentationml/2006/main">
+  <p:tag name="OTLDATEFORMATSTRING" val="MMM d"/>
+  <p:tag name="OTLDATEFORMATSEPARATOR" val="/"/>
+  <p:tag name="OTLDATEFORMATUSEUS" val="True"/>
+  <p:tag name="OTLDATEFORMATDATEISVISIBLE" val="True"/>
+  <p:tag name="OTLDATEFORMATTIMEISVISIBLE" val="False"/>
+  <p:tag name="OTLDATEFORMATAMPMDESIGNATOR" val="AmPmLowerCase"/>
+  <p:tag name="OTLDATEFORMATHOURDIGITS" val="H"/>
+  <p:tag name="OTLDATEFORMATTRIM00MINUTES" val="False"/>
+  <p:tag name="OTLWEEKNUMBERINGFORMAT" val="WNFormat1"/>
+  <p:tag name="OTLWEEKNUMBERINGISVISIBLE" val="False"/>
+  <p:tag name="OTLSTARTDATE" val="2021-10-30T00:00:00.0000000Z"/>
+  <p:tag name="OTLENDDATE" val="2022-10-28T23:59:00.0000000Z"/>
+  <p:tag name="OTLDURATIONFORMAT" val="wk"/>
+  <p:tag name="OTLSPACING" val="10"/>
+  <p:tag name="OTLSHAPETHICKNESSTYPE" val="Thick"/>
   <p:tag name="OTLMARKERSHAPE" val="OTL"/>
 </p:tagLst>
 </file>
 
-<file path=ppt/tags/tag4.xml><?xml version="1.0" encoding="utf-8"?>
-<p:tagLst xmlns:a="http://schemas.openxmlformats.org/drawingml/2006/main" xmlns:r="http://schemas.openxmlformats.org/officeDocument/2006/relationships" xmlns:p="http://schemas.openxmlformats.org/presentationml/2006/main">
-  <p:tag name="OTLMARKERSHAPE" val="OTL"/>
-</p:tagLst>
-</file>
-
-<file path=ppt/tags/tag40.xml><?xml version="1.0" encoding="utf-8"?>
-<p:tagLst xmlns:a="http://schemas.openxmlformats.org/drawingml/2006/main" xmlns:r="http://schemas.openxmlformats.org/officeDocument/2006/relationships" xmlns:p="http://schemas.openxmlformats.org/presentationml/2006/main">
-  <p:tag name="OTLMARKERSHAPE" val="OTL"/>
-</p:tagLst>
-</file>
-
-<file path=ppt/tags/tag41.xml><?xml version="1.0" encoding="utf-8"?>
-<p:tagLst xmlns:a="http://schemas.openxmlformats.org/drawingml/2006/main" xmlns:r="http://schemas.openxmlformats.org/officeDocument/2006/relationships" xmlns:p="http://schemas.openxmlformats.org/presentationml/2006/main">
-  <p:tag name="OTLMARKERSHAPE" val="OTL"/>
-</p:tagLst>
-</file>
-
-<file path=ppt/tags/tag42.xml><?xml version="1.0" encoding="utf-8"?>
-<p:tagLst xmlns:a="http://schemas.openxmlformats.org/drawingml/2006/main" xmlns:r="http://schemas.openxmlformats.org/officeDocument/2006/relationships" xmlns:p="http://schemas.openxmlformats.org/presentationml/2006/main">
-  <p:tag name="OTLMARKERSHAPE" val="OTL"/>
-</p:tagLst>
-</file>
-
-<file path=ppt/tags/tag43.xml><?xml version="1.0" encoding="utf-8"?>
-<p:tagLst xmlns:a="http://schemas.openxmlformats.org/drawingml/2006/main" xmlns:r="http://schemas.openxmlformats.org/officeDocument/2006/relationships" xmlns:p="http://schemas.openxmlformats.org/presentationml/2006/main">
-  <p:tag name="OTLMARKERSHAPE" val="OTL"/>
-</p:tagLst>
-</file>
-
-<file path=ppt/tags/tag44.xml><?xml version="1.0" encoding="utf-8"?>
+<file path=ppt/tags/tag59.xml><?xml version="1.0" encoding="utf-8"?>
 <p:tagLst xmlns:a="http://schemas.openxmlformats.org/drawingml/2006/main" xmlns:r="http://schemas.openxmlformats.org/officeDocument/2006/relationships" xmlns:p="http://schemas.openxmlformats.org/presentationml/2006/main">
   <p:tag name="OTLDATEFORMATSTRING" val="MMM d, yyyy"/>
   <p:tag name="OTLDATEFORMATSEPARATOR" val="/"/>
@@ -8171,9 +8096,15 @@
 </p:tagLst>
 </file>
 
-<file path=ppt/tags/tag45.xml><?xml version="1.0" encoding="utf-8"?>
+<file path=ppt/tags/tag6.xml><?xml version="1.0" encoding="utf-8"?>
 <p:tagLst xmlns:a="http://schemas.openxmlformats.org/drawingml/2006/main" xmlns:r="http://schemas.openxmlformats.org/officeDocument/2006/relationships" xmlns:p="http://schemas.openxmlformats.org/presentationml/2006/main">
-  <p:tag name="OTLDATEFORMATSTRING" val="MMM d, yyyy"/>
+  <p:tag name="OTLMARKERSHAPE" val="OTL"/>
+</p:tagLst>
+</file>
+
+<file path=ppt/tags/tag60.xml><?xml version="1.0" encoding="utf-8"?>
+<p:tagLst xmlns:a="http://schemas.openxmlformats.org/drawingml/2006/main" xmlns:r="http://schemas.openxmlformats.org/officeDocument/2006/relationships" xmlns:p="http://schemas.openxmlformats.org/presentationml/2006/main">
+  <p:tag name="OTLDATEFORMATSTRING" val="MMM d"/>
   <p:tag name="OTLDATEFORMATSEPARATOR" val="/"/>
   <p:tag name="OTLDATEFORMATUSEUS" val="True"/>
   <p:tag name="OTLDATEFORMATDATEISVISIBLE" val="True"/>
@@ -8183,17 +8114,18 @@
   <p:tag name="OTLDATEFORMATTRIM00MINUTES" val="False"/>
   <p:tag name="OTLWEEKNUMBERINGFORMAT" val="WNFormat1"/>
   <p:tag name="OTLWEEKNUMBERINGISVISIBLE" val="False"/>
-  <p:tag name="OTLMTITLE" val="Milestone 8"/>
-  <p:tag name="OTLDATE" val="2023-04-21T23:59:00.0000000"/>
-  <p:tag name="OTLPOSITIONONTASK" val="None"/>
-  <p:tag name="OTLRELATEDTASKID" val="00000000-0000-0000-0000-000000000000"/>
+  <p:tag name="OTLSTARTDATE" val="2021-10-30T00:00:00.0000000Z"/>
+  <p:tag name="OTLENDDATE" val="2022-10-28T23:59:00.0000000Z"/>
+  <p:tag name="OTLDURATIONFORMAT" val="wk"/>
+  <p:tag name="OTLSPACING" val="10"/>
+  <p:tag name="OTLSHAPETHICKNESSTYPE" val="Thick"/>
   <p:tag name="OTLMARKERSHAPE" val="OTL"/>
 </p:tagLst>
 </file>
 
-<file path=ppt/tags/tag46.xml><?xml version="1.0" encoding="utf-8"?>
+<file path=ppt/tags/tag61.xml><?xml version="1.0" encoding="utf-8"?>
 <p:tagLst xmlns:a="http://schemas.openxmlformats.org/drawingml/2006/main" xmlns:r="http://schemas.openxmlformats.org/officeDocument/2006/relationships" xmlns:p="http://schemas.openxmlformats.org/presentationml/2006/main">
-  <p:tag name="OTLDATEFORMATSTRING" val="MMM d, yyyy"/>
+  <p:tag name="OTLDATEFORMATSTRING" val="MMM d"/>
   <p:tag name="OTLDATEFORMATSEPARATOR" val="/"/>
   <p:tag name="OTLDATEFORMATUSEUS" val="True"/>
   <p:tag name="OTLDATEFORMATDATEISVISIBLE" val="True"/>
@@ -8203,154 +8135,11 @@
   <p:tag name="OTLDATEFORMATTRIM00MINUTES" val="False"/>
   <p:tag name="OTLWEEKNUMBERINGFORMAT" val="WNFormat1"/>
   <p:tag name="OTLWEEKNUMBERINGISVISIBLE" val="False"/>
-  <p:tag name="OTLMTITLE" val="Milestone 8"/>
-  <p:tag name="OTLDATE" val="2023-04-21T23:59:00.0000000"/>
-  <p:tag name="OTLPOSITIONONTASK" val="None"/>
-  <p:tag name="OTLRELATEDTASKID" val="00000000-0000-0000-0000-000000000000"/>
-  <p:tag name="OTLMARKERSHAPE" val="OTL"/>
-</p:tagLst>
-</file>
-
-<file path=ppt/tags/tag47.xml><?xml version="1.0" encoding="utf-8"?>
-<p:tagLst xmlns:a="http://schemas.openxmlformats.org/drawingml/2006/main" xmlns:r="http://schemas.openxmlformats.org/officeDocument/2006/relationships" xmlns:p="http://schemas.openxmlformats.org/presentationml/2006/main">
-  <p:tag name="OTLMARKERSHAPE" val="OTL"/>
-</p:tagLst>
-</file>
-
-<file path=ppt/tags/tag48.xml><?xml version="1.0" encoding="utf-8"?>
-<p:tagLst xmlns:a="http://schemas.openxmlformats.org/drawingml/2006/main" xmlns:r="http://schemas.openxmlformats.org/officeDocument/2006/relationships" xmlns:p="http://schemas.openxmlformats.org/presentationml/2006/main">
-  <p:tag name="OTLMARKERSHAPE" val="OTL"/>
-</p:tagLst>
-</file>
-
-<file path=ppt/tags/tag49.xml><?xml version="1.0" encoding="utf-8"?>
-<p:tagLst xmlns:a="http://schemas.openxmlformats.org/drawingml/2006/main" xmlns:r="http://schemas.openxmlformats.org/officeDocument/2006/relationships" xmlns:p="http://schemas.openxmlformats.org/presentationml/2006/main">
-  <p:tag name="OTLMARKERSHAPE" val="OTL"/>
-</p:tagLst>
-</file>
-
-<file path=ppt/tags/tag5.xml><?xml version="1.0" encoding="utf-8"?>
-<p:tagLst xmlns:a="http://schemas.openxmlformats.org/drawingml/2006/main" xmlns:r="http://schemas.openxmlformats.org/officeDocument/2006/relationships" xmlns:p="http://schemas.openxmlformats.org/presentationml/2006/main">
-  <p:tag name="OTLMARKERSHAPE" val="OTL"/>
-</p:tagLst>
-</file>
-
-<file path=ppt/tags/tag50.xml><?xml version="1.0" encoding="utf-8"?>
-<p:tagLst xmlns:a="http://schemas.openxmlformats.org/drawingml/2006/main" xmlns:r="http://schemas.openxmlformats.org/officeDocument/2006/relationships" xmlns:p="http://schemas.openxmlformats.org/presentationml/2006/main">
-  <p:tag name="OTLMARKERSHAPE" val="OTL"/>
-</p:tagLst>
-</file>
-
-<file path=ppt/tags/tag51.xml><?xml version="1.0" encoding="utf-8"?>
-<p:tagLst xmlns:a="http://schemas.openxmlformats.org/drawingml/2006/main" xmlns:r="http://schemas.openxmlformats.org/officeDocument/2006/relationships" xmlns:p="http://schemas.openxmlformats.org/presentationml/2006/main">
-  <p:tag name="OTLMARKERSHAPE" val="OTL"/>
-</p:tagLst>
-</file>
-
-<file path=ppt/tags/tag52.xml><?xml version="1.0" encoding="utf-8"?>
-<p:tagLst xmlns:a="http://schemas.openxmlformats.org/drawingml/2006/main" xmlns:r="http://schemas.openxmlformats.org/officeDocument/2006/relationships" xmlns:p="http://schemas.openxmlformats.org/presentationml/2006/main">
-  <p:tag name="OTLMARKERSHAPE" val="OTL"/>
-</p:tagLst>
-</file>
-
-<file path=ppt/tags/tag53.xml><?xml version="1.0" encoding="utf-8"?>
-<p:tagLst xmlns:a="http://schemas.openxmlformats.org/drawingml/2006/main" xmlns:r="http://schemas.openxmlformats.org/officeDocument/2006/relationships" xmlns:p="http://schemas.openxmlformats.org/presentationml/2006/main">
-  <p:tag name="OTLMARKERSHAPE" val="OTL"/>
-</p:tagLst>
-</file>
-
-<file path=ppt/tags/tag54.xml><?xml version="1.0" encoding="utf-8"?>
-<p:tagLst xmlns:a="http://schemas.openxmlformats.org/drawingml/2006/main" xmlns:r="http://schemas.openxmlformats.org/officeDocument/2006/relationships" xmlns:p="http://schemas.openxmlformats.org/presentationml/2006/main">
-  <p:tag name="OTLMARKERSHAPE" val="OTL"/>
-</p:tagLst>
-</file>
-
-<file path=ppt/tags/tag55.xml><?xml version="1.0" encoding="utf-8"?>
-<p:tagLst xmlns:a="http://schemas.openxmlformats.org/drawingml/2006/main" xmlns:r="http://schemas.openxmlformats.org/officeDocument/2006/relationships" xmlns:p="http://schemas.openxmlformats.org/presentationml/2006/main">
-  <p:tag name="OTLDATEFORMATSTRING" val="MMM d, yyyy"/>
-  <p:tag name="OTLDATEFORMATSEPARATOR" val="/"/>
-  <p:tag name="OTLDATEFORMATUSEUS" val="True"/>
-  <p:tag name="OTLDATEFORMATDATEISVISIBLE" val="True"/>
-  <p:tag name="OTLDATEFORMATTIMEISVISIBLE" val="False"/>
-  <p:tag name="OTLDATEFORMATAMPMDESIGNATOR" val="AmPmLowerCase"/>
-  <p:tag name="OTLDATEFORMATHOURDIGITS" val="H"/>
-  <p:tag name="OTLDATEFORMATTRIM00MINUTES" val="False"/>
-  <p:tag name="OTLWEEKNUMBERINGFORMAT" val="WNFormat1"/>
-  <p:tag name="OTLWEEKNUMBERINGISVISIBLE" val="False"/>
-  <p:tag name="OTLMTITLE" val="Milestone 4"/>
-  <p:tag name="OTLDATE" val="2022-09-27T23:59:00.0000000"/>
-  <p:tag name="OTLPOSITIONONTASK" val="None"/>
-  <p:tag name="OTLRELATEDTASKID" val="00000000-0000-0000-0000-000000000000"/>
-  <p:tag name="OTLMARKERSHAPE" val="OTL"/>
-</p:tagLst>
-</file>
-
-<file path=ppt/tags/tag56.xml><?xml version="1.0" encoding="utf-8"?>
-<p:tagLst xmlns:a="http://schemas.openxmlformats.org/drawingml/2006/main" xmlns:r="http://schemas.openxmlformats.org/officeDocument/2006/relationships" xmlns:p="http://schemas.openxmlformats.org/presentationml/2006/main">
-  <p:tag name="OTLMARKERSHAPE" val="OTL"/>
-</p:tagLst>
-</file>
-
-<file path=ppt/tags/tag57.xml><?xml version="1.0" encoding="utf-8"?>
-<p:tagLst xmlns:a="http://schemas.openxmlformats.org/drawingml/2006/main" xmlns:r="http://schemas.openxmlformats.org/officeDocument/2006/relationships" xmlns:p="http://schemas.openxmlformats.org/presentationml/2006/main">
-  <p:tag name="OTLMARKERSHAPE" val="OTL"/>
-</p:tagLst>
-</file>
-
-<file path=ppt/tags/tag58.xml><?xml version="1.0" encoding="utf-8"?>
-<p:tagLst xmlns:a="http://schemas.openxmlformats.org/drawingml/2006/main" xmlns:r="http://schemas.openxmlformats.org/officeDocument/2006/relationships" xmlns:p="http://schemas.openxmlformats.org/presentationml/2006/main">
-  <p:tag name="OTLMARKERSHAPE" val="OTL"/>
-</p:tagLst>
-</file>
-
-<file path=ppt/tags/tag59.xml><?xml version="1.0" encoding="utf-8"?>
-<p:tagLst xmlns:a="http://schemas.openxmlformats.org/drawingml/2006/main" xmlns:r="http://schemas.openxmlformats.org/officeDocument/2006/relationships" xmlns:p="http://schemas.openxmlformats.org/presentationml/2006/main">
-  <p:tag name="OTLMARKERSHAPE" val="OTL"/>
-</p:tagLst>
-</file>
-
-<file path=ppt/tags/tag6.xml><?xml version="1.0" encoding="utf-8"?>
-<p:tagLst xmlns:a="http://schemas.openxmlformats.org/drawingml/2006/main" xmlns:r="http://schemas.openxmlformats.org/officeDocument/2006/relationships" xmlns:p="http://schemas.openxmlformats.org/presentationml/2006/main">
-  <p:tag name="OTLMARKERSHAPE" val="OTL"/>
-</p:tagLst>
-</file>
-
-<file path=ppt/tags/tag60.xml><?xml version="1.0" encoding="utf-8"?>
-<p:tagLst xmlns:a="http://schemas.openxmlformats.org/drawingml/2006/main" xmlns:r="http://schemas.openxmlformats.org/officeDocument/2006/relationships" xmlns:p="http://schemas.openxmlformats.org/presentationml/2006/main">
-  <p:tag name="OTLDATEFORMATSTRING" val="MMM d, yyyy"/>
-  <p:tag name="OTLDATEFORMATSEPARATOR" val="/"/>
-  <p:tag name="OTLDATEFORMATUSEUS" val="True"/>
-  <p:tag name="OTLDATEFORMATDATEISVISIBLE" val="True"/>
-  <p:tag name="OTLDATEFORMATTIMEISVISIBLE" val="False"/>
-  <p:tag name="OTLDATEFORMATAMPMDESIGNATOR" val="AmPmLowerCase"/>
-  <p:tag name="OTLDATEFORMATHOURDIGITS" val="H"/>
-  <p:tag name="OTLDATEFORMATTRIM00MINUTES" val="False"/>
-  <p:tag name="OTLWEEKNUMBERINGFORMAT" val="WNFormat1"/>
-  <p:tag name="OTLWEEKNUMBERINGISVISIBLE" val="False"/>
-  <p:tag name="OTLMTITLE" val="Milestone 4"/>
-  <p:tag name="OTLDATE" val="2022-09-27T23:59:00.0000000"/>
-  <p:tag name="OTLPOSITIONONTASK" val="None"/>
-  <p:tag name="OTLRELATEDTASKID" val="00000000-0000-0000-0000-000000000000"/>
-  <p:tag name="OTLMARKERSHAPE" val="OTL"/>
-</p:tagLst>
-</file>
-
-<file path=ppt/tags/tag61.xml><?xml version="1.0" encoding="utf-8"?>
-<p:tagLst xmlns:a="http://schemas.openxmlformats.org/drawingml/2006/main" xmlns:r="http://schemas.openxmlformats.org/officeDocument/2006/relationships" xmlns:p="http://schemas.openxmlformats.org/presentationml/2006/main">
-  <p:tag name="OTLDATEFORMATSTRING" val="MMM d, yyyy"/>
-  <p:tag name="OTLDATEFORMATSEPARATOR" val="/"/>
-  <p:tag name="OTLDATEFORMATUSEUS" val="True"/>
-  <p:tag name="OTLDATEFORMATDATEISVISIBLE" val="True"/>
-  <p:tag name="OTLDATEFORMATTIMEISVISIBLE" val="False"/>
-  <p:tag name="OTLDATEFORMATAMPMDESIGNATOR" val="AmPmLowerCase"/>
-  <p:tag name="OTLDATEFORMATHOURDIGITS" val="H"/>
-  <p:tag name="OTLDATEFORMATTRIM00MINUTES" val="False"/>
-  <p:tag name="OTLWEEKNUMBERINGFORMAT" val="WNFormat1"/>
-  <p:tag name="OTLWEEKNUMBERINGISVISIBLE" val="False"/>
-  <p:tag name="OTLMTITLE" val="Milestone 4"/>
-  <p:tag name="OTLDATE" val="2022-09-27T23:59:00.0000000"/>
-  <p:tag name="OTLPOSITIONONTASK" val="None"/>
-  <p:tag name="OTLRELATEDTASKID" val="00000000-0000-0000-0000-000000000000"/>
+  <p:tag name="OTLSTARTDATE" val="2021-10-30T00:00:00.0000000Z"/>
+  <p:tag name="OTLENDDATE" val="2022-10-28T23:59:00.0000000Z"/>
+  <p:tag name="OTLDURATIONFORMAT" val="wk"/>
+  <p:tag name="OTLSPACING" val="10"/>
+  <p:tag name="OTLSHAPETHICKNESSTYPE" val="Thick"/>
   <p:tag name="OTLMARKERSHAPE" val="OTL"/>
 </p:tagLst>
 </file>
@@ -8378,20 +8167,6 @@
 
 <file path=ppt/tags/tag63.xml><?xml version="1.0" encoding="utf-8"?>
 <p:tagLst xmlns:a="http://schemas.openxmlformats.org/drawingml/2006/main" xmlns:r="http://schemas.openxmlformats.org/officeDocument/2006/relationships" xmlns:p="http://schemas.openxmlformats.org/presentationml/2006/main">
-  <p:tag name="OTLDATEFORMATSTRING" val="MMM d, yyyy"/>
-  <p:tag name="OTLDATEFORMATSEPARATOR" val="/"/>
-  <p:tag name="OTLDATEFORMATUSEUS" val="True"/>
-  <p:tag name="OTLDATEFORMATDATEISVISIBLE" val="True"/>
-  <p:tag name="OTLDATEFORMATTIMEISVISIBLE" val="False"/>
-  <p:tag name="OTLDATEFORMATAMPMDESIGNATOR" val="AmPmLowerCase"/>
-  <p:tag name="OTLDATEFORMATHOURDIGITS" val="H"/>
-  <p:tag name="OTLDATEFORMATTRIM00MINUTES" val="False"/>
-  <p:tag name="OTLWEEKNUMBERINGFORMAT" val="WNFormat1"/>
-  <p:tag name="OTLWEEKNUMBERINGISVISIBLE" val="False"/>
-  <p:tag name="OTLMTITLE" val="Milestone 6"/>
-  <p:tag name="OTLDATE" val="2022-12-30T23:59:00.0000000"/>
-  <p:tag name="OTLPOSITIONONTASK" val="None"/>
-  <p:tag name="OTLRELATEDTASKID" val="00000000-0000-0000-0000-000000000000"/>
   <p:tag name="OTLMARKERSHAPE" val="OTL"/>
 </p:tagLst>
 </file>
@@ -8403,105 +8178,6 @@
 </file>
 
 <file path=ppt/tags/tag65.xml><?xml version="1.0" encoding="utf-8"?>
-<p:tagLst xmlns:a="http://schemas.openxmlformats.org/drawingml/2006/main" xmlns:r="http://schemas.openxmlformats.org/officeDocument/2006/relationships" xmlns:p="http://schemas.openxmlformats.org/presentationml/2006/main">
-  <p:tag name="OTLDATEFORMATSTRING" val="MMM d"/>
-  <p:tag name="OTLDATEFORMATSEPARATOR" val="/"/>
-  <p:tag name="OTLDATEFORMATUSEUS" val="True"/>
-  <p:tag name="OTLDATEFORMATDATEISVISIBLE" val="True"/>
-  <p:tag name="OTLDATEFORMATTIMEISVISIBLE" val="False"/>
-  <p:tag name="OTLDATEFORMATAMPMDESIGNATOR" val="AmPmLowerCase"/>
-  <p:tag name="OTLDATEFORMATHOURDIGITS" val="H"/>
-  <p:tag name="OTLDATEFORMATTRIM00MINUTES" val="False"/>
-  <p:tag name="OTLWEEKNUMBERINGFORMAT" val="WNFormat1"/>
-  <p:tag name="OTLWEEKNUMBERINGISVISIBLE" val="False"/>
-  <p:tag name="OTLSTARTDATE" val="2021-10-30T00:00:00.0000000Z"/>
-  <p:tag name="OTLENDDATE" val="2022-10-28T23:59:00.0000000Z"/>
-  <p:tag name="OTLDURATIONFORMAT" val="wk"/>
-  <p:tag name="OTLSPACING" val="10"/>
-  <p:tag name="OTLSHAPETHICKNESSTYPE" val="Thick"/>
-  <p:tag name="OTLMARKERSHAPE" val="OTL"/>
-</p:tagLst>
-</file>
-
-<file path=ppt/tags/tag66.xml><?xml version="1.0" encoding="utf-8"?>
-<p:tagLst xmlns:a="http://schemas.openxmlformats.org/drawingml/2006/main" xmlns:r="http://schemas.openxmlformats.org/officeDocument/2006/relationships" xmlns:p="http://schemas.openxmlformats.org/presentationml/2006/main">
-  <p:tag name="OTLMARKERSHAPE" val="OTL"/>
-</p:tagLst>
-</file>
-
-<file path=ppt/tags/tag67.xml><?xml version="1.0" encoding="utf-8"?>
-<p:tagLst xmlns:a="http://schemas.openxmlformats.org/drawingml/2006/main" xmlns:r="http://schemas.openxmlformats.org/officeDocument/2006/relationships" xmlns:p="http://schemas.openxmlformats.org/presentationml/2006/main">
-  <p:tag name="OTLDATEFORMATSTRING" val="MMM d"/>
-  <p:tag name="OTLDATEFORMATSEPARATOR" val="/"/>
-  <p:tag name="OTLDATEFORMATUSEUS" val="True"/>
-  <p:tag name="OTLDATEFORMATDATEISVISIBLE" val="True"/>
-  <p:tag name="OTLDATEFORMATTIMEISVISIBLE" val="False"/>
-  <p:tag name="OTLDATEFORMATAMPMDESIGNATOR" val="AmPmLowerCase"/>
-  <p:tag name="OTLDATEFORMATHOURDIGITS" val="H"/>
-  <p:tag name="OTLDATEFORMATTRIM00MINUTES" val="False"/>
-  <p:tag name="OTLWEEKNUMBERINGFORMAT" val="WNFormat1"/>
-  <p:tag name="OTLWEEKNUMBERINGISVISIBLE" val="False"/>
-  <p:tag name="OTLSTARTDATE" val="2021-10-30T00:00:00.0000000Z"/>
-  <p:tag name="OTLENDDATE" val="2022-10-28T23:59:00.0000000Z"/>
-  <p:tag name="OTLDURATIONFORMAT" val="wk"/>
-  <p:tag name="OTLSPACING" val="10"/>
-  <p:tag name="OTLSHAPETHICKNESSTYPE" val="Thick"/>
-  <p:tag name="OTLMARKERSHAPE" val="OTL"/>
-</p:tagLst>
-</file>
-
-<file path=ppt/tags/tag68.xml><?xml version="1.0" encoding="utf-8"?>
-<p:tagLst xmlns:a="http://schemas.openxmlformats.org/drawingml/2006/main" xmlns:r="http://schemas.openxmlformats.org/officeDocument/2006/relationships" xmlns:p="http://schemas.openxmlformats.org/presentationml/2006/main">
-  <p:tag name="OTLDATEFORMATSTRING" val="MMM d"/>
-  <p:tag name="OTLDATEFORMATSEPARATOR" val="/"/>
-  <p:tag name="OTLDATEFORMATUSEUS" val="True"/>
-  <p:tag name="OTLDATEFORMATDATEISVISIBLE" val="True"/>
-  <p:tag name="OTLDATEFORMATTIMEISVISIBLE" val="False"/>
-  <p:tag name="OTLDATEFORMATAMPMDESIGNATOR" val="AmPmLowerCase"/>
-  <p:tag name="OTLDATEFORMATHOURDIGITS" val="H"/>
-  <p:tag name="OTLDATEFORMATTRIM00MINUTES" val="False"/>
-  <p:tag name="OTLWEEKNUMBERINGFORMAT" val="WNFormat1"/>
-  <p:tag name="OTLWEEKNUMBERINGISVISIBLE" val="False"/>
-  <p:tag name="OTLSTARTDATE" val="2021-10-30T00:00:00.0000000Z"/>
-  <p:tag name="OTLENDDATE" val="2022-10-28T23:59:00.0000000Z"/>
-  <p:tag name="OTLDURATIONFORMAT" val="wk"/>
-  <p:tag name="OTLSPACING" val="10"/>
-  <p:tag name="OTLSHAPETHICKNESSTYPE" val="Thick"/>
-  <p:tag name="OTLMARKERSHAPE" val="OTL"/>
-</p:tagLst>
-</file>
-
-<file path=ppt/tags/tag69.xml><?xml version="1.0" encoding="utf-8"?>
-<p:tagLst xmlns:a="http://schemas.openxmlformats.org/drawingml/2006/main" xmlns:r="http://schemas.openxmlformats.org/officeDocument/2006/relationships" xmlns:p="http://schemas.openxmlformats.org/presentationml/2006/main">
-  <p:tag name="OTLMARKERSHAPE" val="OTL"/>
-</p:tagLst>
-</file>
-
-<file path=ppt/tags/tag7.xml><?xml version="1.0" encoding="utf-8"?>
-<p:tagLst xmlns:a="http://schemas.openxmlformats.org/drawingml/2006/main" xmlns:r="http://schemas.openxmlformats.org/officeDocument/2006/relationships" xmlns:p="http://schemas.openxmlformats.org/presentationml/2006/main">
-  <p:tag name="OTLMARKERSHAPE" val="OTL"/>
-</p:tagLst>
-</file>
-
-<file path=ppt/tags/tag70.xml><?xml version="1.0" encoding="utf-8"?>
-<p:tagLst xmlns:a="http://schemas.openxmlformats.org/drawingml/2006/main" xmlns:r="http://schemas.openxmlformats.org/officeDocument/2006/relationships" xmlns:p="http://schemas.openxmlformats.org/presentationml/2006/main">
-  <p:tag name="OTLMARKERSHAPE" val="OTL"/>
-</p:tagLst>
-</file>
-
-<file path=ppt/tags/tag71.xml><?xml version="1.0" encoding="utf-8"?>
-<p:tagLst xmlns:a="http://schemas.openxmlformats.org/drawingml/2006/main" xmlns:r="http://schemas.openxmlformats.org/officeDocument/2006/relationships" xmlns:p="http://schemas.openxmlformats.org/presentationml/2006/main">
-  <p:tag name="OTLMARKERSHAPE" val="OTL"/>
-</p:tagLst>
-</file>
-
-<file path=ppt/tags/tag72.xml><?xml version="1.0" encoding="utf-8"?>
-<p:tagLst xmlns:a="http://schemas.openxmlformats.org/drawingml/2006/main" xmlns:r="http://schemas.openxmlformats.org/officeDocument/2006/relationships" xmlns:p="http://schemas.openxmlformats.org/presentationml/2006/main">
-  <p:tag name="OTLMARKERSHAPE" val="OTL"/>
-</p:tagLst>
-</file>
-
-<file path=ppt/tags/tag73.xml><?xml version="1.0" encoding="utf-8"?>
 <p:tagLst xmlns:a="http://schemas.openxmlformats.org/drawingml/2006/main" xmlns:r="http://schemas.openxmlformats.org/officeDocument/2006/relationships" xmlns:p="http://schemas.openxmlformats.org/presentationml/2006/main">
   <p:tag name="OTLDATEFORMATSTRING" val="MMM d, yyyy"/>
   <p:tag name="OTLDATEFORMATSEPARATOR" val="/"/>
@@ -8521,19 +8197,13 @@
 </p:tagLst>
 </file>
 
-<file path=ppt/tags/tag74.xml><?xml version="1.0" encoding="utf-8"?>
+<file path=ppt/tags/tag66.xml><?xml version="1.0" encoding="utf-8"?>
 <p:tagLst xmlns:a="http://schemas.openxmlformats.org/drawingml/2006/main" xmlns:r="http://schemas.openxmlformats.org/officeDocument/2006/relationships" xmlns:p="http://schemas.openxmlformats.org/presentationml/2006/main">
   <p:tag name="OTLMARKERSHAPE" val="OTL"/>
 </p:tagLst>
 </file>
 
-<file path=ppt/tags/tag75.xml><?xml version="1.0" encoding="utf-8"?>
-<p:tagLst xmlns:a="http://schemas.openxmlformats.org/drawingml/2006/main" xmlns:r="http://schemas.openxmlformats.org/officeDocument/2006/relationships" xmlns:p="http://schemas.openxmlformats.org/presentationml/2006/main">
-  <p:tag name="OTLMARKERSHAPE" val="OTL"/>
-</p:tagLst>
-</file>
-
-<file path=ppt/tags/tag76.xml><?xml version="1.0" encoding="utf-8"?>
+<file path=ppt/tags/tag67.xml><?xml version="1.0" encoding="utf-8"?>
 <p:tagLst xmlns:a="http://schemas.openxmlformats.org/drawingml/2006/main" xmlns:r="http://schemas.openxmlformats.org/officeDocument/2006/relationships" xmlns:p="http://schemas.openxmlformats.org/presentationml/2006/main">
   <p:tag name="OTLDATEFORMATSTRING" val="MMM d, yyyy"/>
   <p:tag name="OTLDATEFORMATSEPARATOR" val="/"/>
@@ -8553,53 +8223,19 @@
 </p:tagLst>
 </file>
 
-<file path=ppt/tags/tag77.xml><?xml version="1.0" encoding="utf-8"?>
-<p:tagLst xmlns:a="http://schemas.openxmlformats.org/drawingml/2006/main" xmlns:r="http://schemas.openxmlformats.org/officeDocument/2006/relationships" xmlns:p="http://schemas.openxmlformats.org/presentationml/2006/main">
-  <p:tag name="OTLDATEFORMATSTRING" val="MMM d, yyyy"/>
-  <p:tag name="OTLDATEFORMATSEPARATOR" val="/"/>
-  <p:tag name="OTLDATEFORMATUSEUS" val="True"/>
-  <p:tag name="OTLDATEFORMATDATEISVISIBLE" val="True"/>
-  <p:tag name="OTLDATEFORMATTIMEISVISIBLE" val="False"/>
-  <p:tag name="OTLDATEFORMATAMPMDESIGNATOR" val="AmPmLowerCase"/>
-  <p:tag name="OTLDATEFORMATHOURDIGITS" val="H"/>
-  <p:tag name="OTLDATEFORMATTRIM00MINUTES" val="False"/>
-  <p:tag name="OTLWEEKNUMBERINGFORMAT" val="WNFormat1"/>
-  <p:tag name="OTLWEEKNUMBERINGISVISIBLE" val="False"/>
-  <p:tag name="OTLMTITLE" val="Milestone 2"/>
-  <p:tag name="OTLDATE" val="2022-03-01T23:59:00.0000000"/>
-  <p:tag name="OTLPOSITIONONTASK" val="None"/>
-  <p:tag name="OTLRELATEDTASKID" val="00000000-0000-0000-0000-000000000000"/>
-  <p:tag name="OTLMARKERSHAPE" val="OTL"/>
-</p:tagLst>
-</file>
-
-<file path=ppt/tags/tag78.xml><?xml version="1.0" encoding="utf-8"?>
+<file path=ppt/tags/tag68.xml><?xml version="1.0" encoding="utf-8"?>
 <p:tagLst xmlns:a="http://schemas.openxmlformats.org/drawingml/2006/main" xmlns:r="http://schemas.openxmlformats.org/officeDocument/2006/relationships" xmlns:p="http://schemas.openxmlformats.org/presentationml/2006/main">
   <p:tag name="OTLMARKERSHAPE" val="OTL"/>
 </p:tagLst>
 </file>
 
-<file path=ppt/tags/tag79.xml><?xml version="1.0" encoding="utf-8"?>
+<file path=ppt/tags/tag69.xml><?xml version="1.0" encoding="utf-8"?>
 <p:tagLst xmlns:a="http://schemas.openxmlformats.org/drawingml/2006/main" xmlns:r="http://schemas.openxmlformats.org/officeDocument/2006/relationships" xmlns:p="http://schemas.openxmlformats.org/presentationml/2006/main">
-  <p:tag name="OTLDATEFORMATSTRING" val="MMM d, yyyy"/>
-  <p:tag name="OTLDATEFORMATSEPARATOR" val="/"/>
-  <p:tag name="OTLDATEFORMATUSEUS" val="True"/>
-  <p:tag name="OTLDATEFORMATDATEISVISIBLE" val="True"/>
-  <p:tag name="OTLDATEFORMATTIMEISVISIBLE" val="False"/>
-  <p:tag name="OTLDATEFORMATAMPMDESIGNATOR" val="AmPmLowerCase"/>
-  <p:tag name="OTLDATEFORMATHOURDIGITS" val="H"/>
-  <p:tag name="OTLDATEFORMATTRIM00MINUTES" val="False"/>
-  <p:tag name="OTLWEEKNUMBERINGFORMAT" val="WNFormat1"/>
-  <p:tag name="OTLWEEKNUMBERINGISVISIBLE" val="False"/>
-  <p:tag name="OTLMTITLE" val="Milestone 2"/>
-  <p:tag name="OTLDATE" val="2022-03-01T23:59:00.0000000"/>
-  <p:tag name="OTLPOSITIONONTASK" val="None"/>
-  <p:tag name="OTLRELATEDTASKID" val="00000000-0000-0000-0000-000000000000"/>
   <p:tag name="OTLMARKERSHAPE" val="OTL"/>
 </p:tagLst>
 </file>
 
-<file path=ppt/tags/tag8.xml><?xml version="1.0" encoding="utf-8"?>
+<file path=ppt/tags/tag7.xml><?xml version="1.0" encoding="utf-8"?>
 <p:tagLst xmlns:a="http://schemas.openxmlformats.org/drawingml/2006/main" xmlns:r="http://schemas.openxmlformats.org/officeDocument/2006/relationships" xmlns:p="http://schemas.openxmlformats.org/presentationml/2006/main">
   <p:tag name="OTLTIMEBANDSCALETYPE" val="Quarters"/>
   <p:tag name="OTLTIMEBANDSCALEFORMAT" val="MMM"/>
@@ -8630,13 +8266,19 @@
 </p:tagLst>
 </file>
 
-<file path=ppt/tags/tag80.xml><?xml version="1.0" encoding="utf-8"?>
+<file path=ppt/tags/tag70.xml><?xml version="1.0" encoding="utf-8"?>
 <p:tagLst xmlns:a="http://schemas.openxmlformats.org/drawingml/2006/main" xmlns:r="http://schemas.openxmlformats.org/officeDocument/2006/relationships" xmlns:p="http://schemas.openxmlformats.org/presentationml/2006/main">
   <p:tag name="OTLMARKERSHAPE" val="OTL"/>
 </p:tagLst>
 </file>
 
-<file path=ppt/tags/tag81.xml><?xml version="1.0" encoding="utf-8"?>
+<file path=ppt/tags/tag71.xml><?xml version="1.0" encoding="utf-8"?>
+<p:tagLst xmlns:a="http://schemas.openxmlformats.org/drawingml/2006/main" xmlns:r="http://schemas.openxmlformats.org/officeDocument/2006/relationships" xmlns:p="http://schemas.openxmlformats.org/presentationml/2006/main">
+  <p:tag name="OTLMARKERSHAPE" val="OTL"/>
+</p:tagLst>
+</file>
+
+<file path=ppt/tags/tag72.xml><?xml version="1.0" encoding="utf-8"?>
 <p:tagLst xmlns:a="http://schemas.openxmlformats.org/drawingml/2006/main" xmlns:r="http://schemas.openxmlformats.org/officeDocument/2006/relationships" xmlns:p="http://schemas.openxmlformats.org/presentationml/2006/main">
   <p:tag name="OTLDATEFORMATSTRING" val="MMM d, yyyy"/>
   <p:tag name="OTLDATEFORMATSEPARATOR" val="/"/>
@@ -8656,19 +8298,7 @@
 </p:tagLst>
 </file>
 
-<file path=ppt/tags/tag82.xml><?xml version="1.0" encoding="utf-8"?>
-<p:tagLst xmlns:a="http://schemas.openxmlformats.org/drawingml/2006/main" xmlns:r="http://schemas.openxmlformats.org/officeDocument/2006/relationships" xmlns:p="http://schemas.openxmlformats.org/presentationml/2006/main">
-  <p:tag name="OTLMARKERSHAPE" val="OTL"/>
-</p:tagLst>
-</file>
-
-<file path=ppt/tags/tag83.xml><?xml version="1.0" encoding="utf-8"?>
-<p:tagLst xmlns:a="http://schemas.openxmlformats.org/drawingml/2006/main" xmlns:r="http://schemas.openxmlformats.org/officeDocument/2006/relationships" xmlns:p="http://schemas.openxmlformats.org/presentationml/2006/main">
-  <p:tag name="OTLMARKERSHAPE" val="OTL"/>
-</p:tagLst>
-</file>
-
-<file path=ppt/tags/tag84.xml><?xml version="1.0" encoding="utf-8"?>
+<file path=ppt/tags/tag73.xml><?xml version="1.0" encoding="utf-8"?>
 <p:tagLst xmlns:a="http://schemas.openxmlformats.org/drawingml/2006/main" xmlns:r="http://schemas.openxmlformats.org/officeDocument/2006/relationships" xmlns:p="http://schemas.openxmlformats.org/presentationml/2006/main">
   <p:tag name="OTLDATEFORMATSTRING" val="MMM d, yyyy"/>
   <p:tag name="OTLDATEFORMATSEPARATOR" val="/"/>
@@ -8688,9 +8318,99 @@
 </p:tagLst>
 </file>
 
+<file path=ppt/tags/tag74.xml><?xml version="1.0" encoding="utf-8"?>
+<p:tagLst xmlns:a="http://schemas.openxmlformats.org/drawingml/2006/main" xmlns:r="http://schemas.openxmlformats.org/officeDocument/2006/relationships" xmlns:p="http://schemas.openxmlformats.org/presentationml/2006/main">
+  <p:tag name="OTLMARKERSHAPE" val="OTL"/>
+</p:tagLst>
+</file>
+
+<file path=ppt/tags/tag75.xml><?xml version="1.0" encoding="utf-8"?>
+<p:tagLst xmlns:a="http://schemas.openxmlformats.org/drawingml/2006/main" xmlns:r="http://schemas.openxmlformats.org/officeDocument/2006/relationships" xmlns:p="http://schemas.openxmlformats.org/presentationml/2006/main">
+  <p:tag name="OTLMARKERSHAPE" val="OTL"/>
+</p:tagLst>
+</file>
+
+<file path=ppt/tags/tag76.xml><?xml version="1.0" encoding="utf-8"?>
+<p:tagLst xmlns:a="http://schemas.openxmlformats.org/drawingml/2006/main" xmlns:r="http://schemas.openxmlformats.org/officeDocument/2006/relationships" xmlns:p="http://schemas.openxmlformats.org/presentationml/2006/main">
+  <p:tag name="OTLDATEFORMATSTRING" val="MMM d, yyyy"/>
+  <p:tag name="OTLDATEFORMATSEPARATOR" val="/"/>
+  <p:tag name="OTLDATEFORMATUSEUS" val="True"/>
+  <p:tag name="OTLDATEFORMATDATEISVISIBLE" val="True"/>
+  <p:tag name="OTLDATEFORMATTIMEISVISIBLE" val="False"/>
+  <p:tag name="OTLDATEFORMATAMPMDESIGNATOR" val="AmPmLowerCase"/>
+  <p:tag name="OTLDATEFORMATHOURDIGITS" val="H"/>
+  <p:tag name="OTLDATEFORMATTRIM00MINUTES" val="False"/>
+  <p:tag name="OTLWEEKNUMBERINGFORMAT" val="WNFormat1"/>
+  <p:tag name="OTLWEEKNUMBERINGISVISIBLE" val="False"/>
+  <p:tag name="OTLMTITLE" val="Milestone 2"/>
+  <p:tag name="OTLDATE" val="2022-03-01T23:59:00.0000000"/>
+  <p:tag name="OTLPOSITIONONTASK" val="None"/>
+  <p:tag name="OTLRELATEDTASKID" val="00000000-0000-0000-0000-000000000000"/>
+  <p:tag name="OTLMARKERSHAPE" val="OTL"/>
+</p:tagLst>
+</file>
+
+<file path=ppt/tags/tag77.xml><?xml version="1.0" encoding="utf-8"?>
+<p:tagLst xmlns:a="http://schemas.openxmlformats.org/drawingml/2006/main" xmlns:r="http://schemas.openxmlformats.org/officeDocument/2006/relationships" xmlns:p="http://schemas.openxmlformats.org/presentationml/2006/main">
+  <p:tag name="OTLDATEFORMATSTRING" val="MMM d, yyyy"/>
+  <p:tag name="OTLDATEFORMATSEPARATOR" val="/"/>
+  <p:tag name="OTLDATEFORMATUSEUS" val="True"/>
+  <p:tag name="OTLDATEFORMATDATEISVISIBLE" val="True"/>
+  <p:tag name="OTLDATEFORMATTIMEISVISIBLE" val="False"/>
+  <p:tag name="OTLDATEFORMATAMPMDESIGNATOR" val="AmPmLowerCase"/>
+  <p:tag name="OTLDATEFORMATHOURDIGITS" val="H"/>
+  <p:tag name="OTLDATEFORMATTRIM00MINUTES" val="False"/>
+  <p:tag name="OTLWEEKNUMBERINGFORMAT" val="WNFormat1"/>
+  <p:tag name="OTLWEEKNUMBERINGISVISIBLE" val="False"/>
+  <p:tag name="OTLMTITLE" val="Milestone 2"/>
+  <p:tag name="OTLDATE" val="2022-03-01T23:59:00.0000000"/>
+  <p:tag name="OTLPOSITIONONTASK" val="None"/>
+  <p:tag name="OTLRELATEDTASKID" val="00000000-0000-0000-0000-000000000000"/>
+  <p:tag name="OTLMARKERSHAPE" val="OTL"/>
+</p:tagLst>
+</file>
+
+<file path=ppt/tags/tag78.xml><?xml version="1.0" encoding="utf-8"?>
+<p:tagLst xmlns:a="http://schemas.openxmlformats.org/drawingml/2006/main" xmlns:r="http://schemas.openxmlformats.org/officeDocument/2006/relationships" xmlns:p="http://schemas.openxmlformats.org/presentationml/2006/main">
+  <p:tag name="OTLMARKERSHAPE" val="OTL"/>
+</p:tagLst>
+</file>
+
+<file path=ppt/tags/tag79.xml><?xml version="1.0" encoding="utf-8"?>
+<p:tagLst xmlns:a="http://schemas.openxmlformats.org/drawingml/2006/main" xmlns:r="http://schemas.openxmlformats.org/officeDocument/2006/relationships" xmlns:p="http://schemas.openxmlformats.org/presentationml/2006/main">
+  <p:tag name="OTLMARKERSHAPE" val="OTL"/>
+</p:tagLst>
+</file>
+
+<file path=ppt/tags/tag8.xml><?xml version="1.0" encoding="utf-8"?>
+<p:tagLst xmlns:a="http://schemas.openxmlformats.org/drawingml/2006/main" xmlns:r="http://schemas.openxmlformats.org/officeDocument/2006/relationships" xmlns:p="http://schemas.openxmlformats.org/presentationml/2006/main">
+  <p:tag name="OTLTODAYPOSITION" val="Hide"/>
+  <p:tag name="OTLMARKERSHAPE" val="OTL"/>
+</p:tagLst>
+</file>
+
+<file path=ppt/tags/tag80.xml><?xml version="1.0" encoding="utf-8"?>
+<p:tagLst xmlns:a="http://schemas.openxmlformats.org/drawingml/2006/main" xmlns:r="http://schemas.openxmlformats.org/officeDocument/2006/relationships" xmlns:p="http://schemas.openxmlformats.org/presentationml/2006/main">
+  <p:tag name="OTLDATEFORMATSTRING" val="MMM d, yyyy"/>
+  <p:tag name="OTLDATEFORMATSEPARATOR" val="/"/>
+  <p:tag name="OTLDATEFORMATUSEUS" val="True"/>
+  <p:tag name="OTLDATEFORMATDATEISVISIBLE" val="True"/>
+  <p:tag name="OTLDATEFORMATTIMEISVISIBLE" val="False"/>
+  <p:tag name="OTLDATEFORMATAMPMDESIGNATOR" val="AmPmLowerCase"/>
+  <p:tag name="OTLDATEFORMATHOURDIGITS" val="H"/>
+  <p:tag name="OTLDATEFORMATTRIM00MINUTES" val="False"/>
+  <p:tag name="OTLWEEKNUMBERINGFORMAT" val="WNFormat1"/>
+  <p:tag name="OTLWEEKNUMBERINGISVISIBLE" val="False"/>
+  <p:tag name="OTLMTITLE" val="Milestone 2"/>
+  <p:tag name="OTLDATE" val="2022-03-01T23:59:00.0000000"/>
+  <p:tag name="OTLPOSITIONONTASK" val="None"/>
+  <p:tag name="OTLRELATEDTASKID" val="00000000-0000-0000-0000-000000000000"/>
+  <p:tag name="OTLMARKERSHAPE" val="OTL"/>
+</p:tagLst>
+</file>
+
 <file path=ppt/tags/tag9.xml><?xml version="1.0" encoding="utf-8"?>
 <p:tagLst xmlns:a="http://schemas.openxmlformats.org/drawingml/2006/main" xmlns:r="http://schemas.openxmlformats.org/officeDocument/2006/relationships" xmlns:p="http://schemas.openxmlformats.org/presentationml/2006/main">
-  <p:tag name="OTLTODAYPOSITION" val="Hide"/>
   <p:tag name="OTLMARKERSHAPE" val="OTL"/>
 </p:tagLst>
 </file>
